--- a/powerpoint.pptx
+++ b/powerpoint.pptx
@@ -5,7 +5,7 @@
     <p:sldMasterId id="2147483648" r:id="rId1"/>
   </p:sldMasterIdLst>
   <p:handoutMasterIdLst>
-    <p:handoutMasterId r:id="rId12"/>
+    <p:handoutMasterId r:id="rId14"/>
   </p:handoutMasterIdLst>
   <p:sldIdLst>
     <p:sldId id="258" r:id="rId2"/>
@@ -17,7 +17,9 @@
     <p:sldId id="268" r:id="rId8"/>
     <p:sldId id="269" r:id="rId9"/>
     <p:sldId id="270" r:id="rId10"/>
-    <p:sldId id="271" r:id="rId11"/>
+    <p:sldId id="273" r:id="rId11"/>
+    <p:sldId id="272" r:id="rId12"/>
+    <p:sldId id="271" r:id="rId13"/>
   </p:sldIdLst>
   <p:sldSz cx="9144000" cy="6858000" type="screen4x3"/>
   <p:notesSz cx="6858000" cy="9144000"/>
@@ -187,7 +189,7 @@
             </a:lvl1pPr>
           </a:lstStyle>
           <a:p>
-            <a:endParaRPr lang="pt-BR"/>
+            <a:endParaRPr lang="pt-BR" dirty="0"/>
           </a:p>
         </p:txBody>
       </p:sp>
@@ -220,9 +222,9 @@
           <a:p>
             <a:fld id="{957E3F99-D12F-4954-A61D-F49FB68D10A3}" type="datetimeFigureOut">
               <a:rPr lang="pt-BR" smtClean="0"/>
-              <a:t>25/09/2023</a:t>
+              <a:t>26/10/2023</a:t>
             </a:fld>
-            <a:endParaRPr lang="pt-BR"/>
+            <a:endParaRPr lang="pt-BR" dirty="0"/>
           </a:p>
         </p:txBody>
       </p:sp>
@@ -253,7 +255,7 @@
             </a:lvl1pPr>
           </a:lstStyle>
           <a:p>
-            <a:endParaRPr lang="pt-BR"/>
+            <a:endParaRPr lang="pt-BR" dirty="0"/>
           </a:p>
         </p:txBody>
       </p:sp>
@@ -288,7 +290,7 @@
               <a:rPr lang="pt-BR" smtClean="0"/>
               <a:t>‹nº›</a:t>
             </a:fld>
-            <a:endParaRPr lang="pt-BR"/>
+            <a:endParaRPr lang="pt-BR" dirty="0"/>
           </a:p>
         </p:txBody>
       </p:sp>
@@ -337,9 +339,9 @@
           <a:p>
             <a:fld id="{2E60D82F-4EDC-49F1-9B28-C237C8B75C57}" type="datetimeFigureOut">
               <a:rPr lang="pt-BR" smtClean="0"/>
-              <a:t>25/09/2023</a:t>
+              <a:t>26/10/2023</a:t>
             </a:fld>
-            <a:endParaRPr lang="pt-BR"/>
+            <a:endParaRPr lang="pt-BR" dirty="0"/>
           </a:p>
         </p:txBody>
       </p:sp>
@@ -358,7 +360,7 @@
           <a:bodyPr/>
           <a:lstStyle/>
           <a:p>
-            <a:endParaRPr lang="pt-BR"/>
+            <a:endParaRPr lang="pt-BR" dirty="0"/>
           </a:p>
         </p:txBody>
       </p:sp>
@@ -381,7 +383,7 @@
               <a:rPr lang="pt-BR" smtClean="0"/>
               <a:t>‹nº›</a:t>
             </a:fld>
-            <a:endParaRPr lang="pt-BR"/>
+            <a:endParaRPr lang="pt-BR" dirty="0"/>
           </a:p>
         </p:txBody>
       </p:sp>
@@ -661,9 +663,9 @@
           <a:p>
             <a:fld id="{2E60D82F-4EDC-49F1-9B28-C237C8B75C57}" type="datetimeFigureOut">
               <a:rPr lang="pt-BR" smtClean="0"/>
-              <a:t>25/09/2023</a:t>
+              <a:t>26/10/2023</a:t>
             </a:fld>
-            <a:endParaRPr lang="pt-BR"/>
+            <a:endParaRPr lang="pt-BR" dirty="0"/>
           </a:p>
         </p:txBody>
       </p:sp>
@@ -682,7 +684,7 @@
           <a:bodyPr/>
           <a:lstStyle/>
           <a:p>
-            <a:endParaRPr lang="pt-BR"/>
+            <a:endParaRPr lang="pt-BR" dirty="0"/>
           </a:p>
         </p:txBody>
       </p:sp>
@@ -705,7 +707,7 @@
               <a:rPr lang="pt-BR" smtClean="0"/>
               <a:t>‹nº›</a:t>
             </a:fld>
-            <a:endParaRPr lang="pt-BR"/>
+            <a:endParaRPr lang="pt-BR" dirty="0"/>
           </a:p>
         </p:txBody>
       </p:sp>
@@ -792,9 +794,9 @@
           <a:p>
             <a:fld id="{2E60D82F-4EDC-49F1-9B28-C237C8B75C57}" type="datetimeFigureOut">
               <a:rPr lang="pt-BR" smtClean="0"/>
-              <a:t>25/09/2023</a:t>
+              <a:t>26/10/2023</a:t>
             </a:fld>
-            <a:endParaRPr lang="pt-BR"/>
+            <a:endParaRPr lang="pt-BR" dirty="0"/>
           </a:p>
         </p:txBody>
       </p:sp>
@@ -813,7 +815,7 @@
           <a:bodyPr/>
           <a:lstStyle/>
           <a:p>
-            <a:endParaRPr lang="pt-BR"/>
+            <a:endParaRPr lang="pt-BR" dirty="0"/>
           </a:p>
         </p:txBody>
       </p:sp>
@@ -836,7 +838,7 @@
               <a:rPr lang="pt-BR" smtClean="0"/>
               <a:t>‹nº›</a:t>
             </a:fld>
-            <a:endParaRPr lang="pt-BR"/>
+            <a:endParaRPr lang="pt-BR" dirty="0"/>
           </a:p>
         </p:txBody>
       </p:sp>
@@ -1003,9 +1005,9 @@
           <a:p>
             <a:fld id="{2E60D82F-4EDC-49F1-9B28-C237C8B75C57}" type="datetimeFigureOut">
               <a:rPr lang="pt-BR" smtClean="0"/>
-              <a:t>25/09/2023</a:t>
+              <a:t>26/10/2023</a:t>
             </a:fld>
-            <a:endParaRPr lang="pt-BR"/>
+            <a:endParaRPr lang="pt-BR" dirty="0"/>
           </a:p>
         </p:txBody>
       </p:sp>
@@ -1042,7 +1044,7 @@
             </a:lvl1pPr>
           </a:lstStyle>
           <a:p>
-            <a:endParaRPr lang="pt-BR"/>
+            <a:endParaRPr lang="pt-BR" dirty="0"/>
           </a:p>
         </p:txBody>
       </p:sp>
@@ -1083,7 +1085,7 @@
               <a:rPr lang="pt-BR" smtClean="0"/>
               <a:t>‹nº›</a:t>
             </a:fld>
-            <a:endParaRPr lang="pt-BR"/>
+            <a:endParaRPr lang="pt-BR" dirty="0"/>
           </a:p>
         </p:txBody>
       </p:sp>
@@ -1407,6 +1409,92 @@
           </a:prstGeom>
         </p:spPr>
       </p:pic>
+      <p:sp>
+        <p:nvSpPr>
+          <p:cNvPr id="2" name="Retângulo 1">
+            <a:extLst>
+              <a:ext uri="{FF2B5EF4-FFF2-40B4-BE49-F238E27FC236}">
+                <a16:creationId xmlns:a16="http://schemas.microsoft.com/office/drawing/2014/main" id="{C3B24D37-8A39-D112-5516-65C84555C289}"/>
+              </a:ext>
+            </a:extLst>
+          </p:cNvPr>
+          <p:cNvSpPr/>
+          <p:nvPr/>
+        </p:nvSpPr>
+        <p:spPr>
+          <a:xfrm>
+            <a:off x="6261730" y="6171368"/>
+            <a:ext cx="936104" cy="620688"/>
+          </a:xfrm>
+          <a:prstGeom prst="rect">
+            <a:avLst/>
+          </a:prstGeom>
+          <a:solidFill>
+            <a:srgbClr val="AF0917"/>
+          </a:solidFill>
+          <a:ln>
+            <a:noFill/>
+          </a:ln>
+        </p:spPr>
+        <p:style>
+          <a:lnRef idx="0">
+            <a:scrgbClr r="0" g="0" b="0"/>
+          </a:lnRef>
+          <a:fillRef idx="0">
+            <a:scrgbClr r="0" g="0" b="0"/>
+          </a:fillRef>
+          <a:effectRef idx="0">
+            <a:scrgbClr r="0" g="0" b="0"/>
+          </a:effectRef>
+          <a:fontRef idx="minor">
+            <a:schemeClr val="lt1"/>
+          </a:fontRef>
+        </p:style>
+        <p:txBody>
+          <a:bodyPr rtlCol="0" anchor="ctr"/>
+          <a:lstStyle/>
+          <a:p>
+            <a:pPr algn="ctr"/>
+            <a:endParaRPr lang="pt-BR" dirty="0"/>
+          </a:p>
+        </p:txBody>
+      </p:sp>
+      <p:pic>
+        <p:nvPicPr>
+          <p:cNvPr id="7" name="Imagem 6">
+            <a:extLst>
+              <a:ext uri="{FF2B5EF4-FFF2-40B4-BE49-F238E27FC236}">
+                <a16:creationId xmlns:a16="http://schemas.microsoft.com/office/drawing/2014/main" id="{5FC24C13-7FAD-B5D0-59D7-4CD00D1F5FD8}"/>
+              </a:ext>
+            </a:extLst>
+          </p:cNvPr>
+          <p:cNvPicPr>
+            <a:picLocks noChangeAspect="1"/>
+          </p:cNvPicPr>
+          <p:nvPr/>
+        </p:nvPicPr>
+        <p:blipFill>
+          <a:blip r:embed="rId3" cstate="print">
+            <a:extLst>
+              <a:ext uri="{28A0092B-C50C-407E-A947-70E740481C1C}">
+                <a14:useLocalDpi xmlns:a14="http://schemas.microsoft.com/office/drawing/2010/main" val="0"/>
+              </a:ext>
+            </a:extLst>
+          </a:blip>
+          <a:stretch>
+            <a:fillRect/>
+          </a:stretch>
+        </p:blipFill>
+        <p:spPr>
+          <a:xfrm>
+            <a:off x="6451743" y="6224444"/>
+            <a:ext cx="777017" cy="488652"/>
+          </a:xfrm>
+          <a:prstGeom prst="rect">
+            <a:avLst/>
+          </a:prstGeom>
+        </p:spPr>
+      </p:pic>
     </p:spTree>
     <p:extLst>
       <p:ext uri="{BB962C8B-B14F-4D97-AF65-F5344CB8AC3E}">
@@ -1437,6 +1525,629 @@
           <a:chExt cx="0" cy="0"/>
         </a:xfrm>
       </p:grpSpPr>
+      <p:sp>
+        <p:nvSpPr>
+          <p:cNvPr id="2" name="Título 1">
+            <a:extLst>
+              <a:ext uri="{FF2B5EF4-FFF2-40B4-BE49-F238E27FC236}">
+                <a16:creationId xmlns:a16="http://schemas.microsoft.com/office/drawing/2014/main" id="{1445400E-7DBD-4145-A054-8ECA8AF9F79E}"/>
+              </a:ext>
+            </a:extLst>
+          </p:cNvPr>
+          <p:cNvSpPr>
+            <a:spLocks noGrp="1"/>
+          </p:cNvSpPr>
+          <p:nvPr>
+            <p:ph type="title"/>
+          </p:nvPr>
+        </p:nvSpPr>
+        <p:spPr>
+          <a:xfrm>
+            <a:off x="467446" y="476672"/>
+            <a:ext cx="8229600" cy="1143000"/>
+          </a:xfrm>
+        </p:spPr>
+        <p:txBody>
+          <a:bodyPr>
+            <a:normAutofit fontScale="90000"/>
+            <a:scene3d>
+              <a:camera prst="orthographicFront"/>
+              <a:lightRig rig="soft" dir="t">
+                <a:rot lat="0" lon="0" rev="15600000"/>
+              </a:lightRig>
+            </a:scene3d>
+            <a:sp3d extrusionH="57150" prstMaterial="softEdge">
+              <a:bevelT w="25400" h="38100"/>
+            </a:sp3d>
+          </a:bodyPr>
+          <a:lstStyle/>
+          <a:p>
+            <a:r>
+              <a:rPr lang="pt-BR" b="1" dirty="0">
+                <a:ln/>
+                <a:solidFill>
+                  <a:srgbClr val="C00000"/>
+                </a:solidFill>
+                <a:latin typeface="Arial" panose="020B0604020202020204" pitchFamily="34" charset="0"/>
+                <a:cs typeface="Arial" panose="020B0604020202020204" pitchFamily="34" charset="0"/>
+              </a:rPr>
+              <a:t>REFERÊNCIAS BIBLIOGRÁFICAS</a:t>
+            </a:r>
+          </a:p>
+        </p:txBody>
+      </p:sp>
+      <p:sp>
+        <p:nvSpPr>
+          <p:cNvPr id="3" name="Título 1">
+            <a:extLst>
+              <a:ext uri="{FF2B5EF4-FFF2-40B4-BE49-F238E27FC236}">
+                <a16:creationId xmlns:a16="http://schemas.microsoft.com/office/drawing/2014/main" id="{2EADB4CC-BF23-431D-BCDF-9C10C57F3AC6}"/>
+              </a:ext>
+            </a:extLst>
+          </p:cNvPr>
+          <p:cNvSpPr txBox="1">
+            <a:spLocks/>
+          </p:cNvSpPr>
+          <p:nvPr/>
+        </p:nvSpPr>
+        <p:spPr>
+          <a:xfrm>
+            <a:off x="497899" y="1747720"/>
+            <a:ext cx="8229600" cy="4392488"/>
+          </a:xfrm>
+          <a:prstGeom prst="rect">
+            <a:avLst/>
+          </a:prstGeom>
+        </p:spPr>
+        <p:txBody>
+          <a:bodyPr vert="horz" lIns="91440" tIns="45720" rIns="91440" bIns="45720" rtlCol="0" anchor="ctr">
+            <a:normAutofit fontScale="32500" lnSpcReduction="20000"/>
+          </a:bodyPr>
+          <a:lstStyle>
+            <a:lvl1pPr algn="ctr" defTabSz="914400" rtl="0" eaLnBrk="1" latinLnBrk="0" hangingPunct="1">
+              <a:spcBef>
+                <a:spcPct val="0"/>
+              </a:spcBef>
+              <a:buNone/>
+              <a:defRPr sz="4400" kern="1200">
+                <a:solidFill>
+                  <a:schemeClr val="tx1"/>
+                </a:solidFill>
+                <a:latin typeface="+mj-lt"/>
+                <a:ea typeface="+mj-ea"/>
+                <a:cs typeface="+mj-cs"/>
+              </a:defRPr>
+            </a:lvl1pPr>
+          </a:lstStyle>
+          <a:p>
+            <a:pPr algn="just"/>
+            <a:r>
+              <a:rPr lang="pt-BR" dirty="0">
+                <a:latin typeface="Arial" panose="020B0604020202020204" pitchFamily="34" charset="0"/>
+                <a:cs typeface="Arial" panose="020B0604020202020204" pitchFamily="34" charset="0"/>
+              </a:rPr>
+              <a:t>Exercício físico diminui a ansiedade | Muzy Cortes. Disponível em: https://youtu.be/MyUT9gllE1g. </a:t>
+            </a:r>
+            <a:r>
+              <a:rPr lang="en-US" dirty="0">
+                <a:latin typeface="Arial" panose="020B0604020202020204" pitchFamily="34" charset="0"/>
+                <a:cs typeface="Arial" panose="020B0604020202020204" pitchFamily="34" charset="0"/>
+              </a:rPr>
+              <a:t>Acesso em: 2 junho. 2023.</a:t>
+            </a:r>
+            <a:endParaRPr lang="pt-BR" dirty="0">
+              <a:latin typeface="Arial" panose="020B0604020202020204" pitchFamily="34" charset="0"/>
+              <a:cs typeface="Arial" panose="020B0604020202020204" pitchFamily="34" charset="0"/>
+            </a:endParaRPr>
+          </a:p>
+          <a:p>
+            <a:pPr algn="just"/>
+            <a:r>
+              <a:rPr lang="en-US" dirty="0">
+                <a:latin typeface="Arial" panose="020B0604020202020204" pitchFamily="34" charset="0"/>
+                <a:cs typeface="Arial" panose="020B0604020202020204" pitchFamily="34" charset="0"/>
+              </a:rPr>
+              <a:t> </a:t>
+            </a:r>
+            <a:endParaRPr lang="pt-BR" dirty="0">
+              <a:latin typeface="Arial" panose="020B0604020202020204" pitchFamily="34" charset="0"/>
+              <a:cs typeface="Arial" panose="020B0604020202020204" pitchFamily="34" charset="0"/>
+            </a:endParaRPr>
+          </a:p>
+          <a:p>
+            <a:pPr algn="just"/>
+            <a:r>
+              <a:rPr lang="en-US" dirty="0">
+                <a:latin typeface="Arial" panose="020B0604020202020204" pitchFamily="34" charset="0"/>
+                <a:cs typeface="Arial" panose="020B0604020202020204" pitchFamily="34" charset="0"/>
+              </a:rPr>
+              <a:t>LIGUORI, G.; AMERICAN COLLEGE OF SPORTS MEDICINE. ACSM’s guidelines for exercise testing and prescription. </a:t>
+            </a:r>
+            <a:r>
+              <a:rPr lang="pt-BR" dirty="0">
+                <a:latin typeface="Arial" panose="020B0604020202020204" pitchFamily="34" charset="0"/>
+                <a:cs typeface="Arial" panose="020B0604020202020204" pitchFamily="34" charset="0"/>
+              </a:rPr>
+              <a:t>11. ed. Philadelphia: Lippincott Williams &amp; Wilkins, 2021.Acesso em: 18 ago. 2023.</a:t>
+            </a:r>
+          </a:p>
+          <a:p>
+            <a:pPr algn="just"/>
+            <a:r>
+              <a:rPr lang="pt-BR" dirty="0">
+                <a:latin typeface="Arial" panose="020B0604020202020204" pitchFamily="34" charset="0"/>
+                <a:cs typeface="Arial" panose="020B0604020202020204" pitchFamily="34" charset="0"/>
+              </a:rPr>
+              <a:t> </a:t>
+            </a:r>
+          </a:p>
+          <a:p>
+            <a:pPr algn="just"/>
+            <a:r>
+              <a:rPr lang="pt-BR" dirty="0">
+                <a:latin typeface="Arial" panose="020B0604020202020204" pitchFamily="34" charset="0"/>
+                <a:cs typeface="Arial" panose="020B0604020202020204" pitchFamily="34" charset="0"/>
+              </a:rPr>
+              <a:t>LIVIERO, D. Alimentação saudável: dicas para você conseguir manter. Disponível em: https://www.drogarialiviero.com.br/blog/dicas-para-uma-alimentacao-saudavel/.</a:t>
+            </a:r>
+          </a:p>
+          <a:p>
+            <a:pPr algn="just"/>
+            <a:r>
+              <a:rPr lang="pt-BR" dirty="0">
+                <a:latin typeface="Arial" panose="020B0604020202020204" pitchFamily="34" charset="0"/>
+                <a:cs typeface="Arial" panose="020B0604020202020204" pitchFamily="34" charset="0"/>
+              </a:rPr>
+              <a:t> </a:t>
+            </a:r>
+          </a:p>
+          <a:p>
+            <a:pPr algn="just"/>
+            <a:r>
+              <a:rPr lang="pt-BR" dirty="0">
+                <a:latin typeface="Arial" panose="020B0604020202020204" pitchFamily="34" charset="0"/>
+                <a:cs typeface="Arial" panose="020B0604020202020204" pitchFamily="34" charset="0"/>
+              </a:rPr>
+              <a:t>Machado, Paola - A lista é longa! Veja doenças que podem ser causadas pela má alimentação. Disponível em: https://www.uol.com.br/vivabem/colunas/paola-machado/2022/12/01/doencas-que-podem-ser-causadas-pela-ma-alimentacao.htm. Acesso em: 14 abril. 2023.</a:t>
+            </a:r>
+          </a:p>
+          <a:p>
+            <a:pPr algn="just"/>
+            <a:endParaRPr lang="pt-BR" dirty="0">
+              <a:latin typeface="Arial" panose="020B0604020202020204" pitchFamily="34" charset="0"/>
+              <a:cs typeface="Arial" panose="020B0604020202020204" pitchFamily="34" charset="0"/>
+            </a:endParaRPr>
+          </a:p>
+          <a:p>
+            <a:pPr algn="just"/>
+            <a:r>
+              <a:rPr lang="en-US" dirty="0">
+                <a:latin typeface="Arial" panose="020B0604020202020204" pitchFamily="34" charset="0"/>
+                <a:cs typeface="Arial" panose="020B0604020202020204" pitchFamily="34" charset="0"/>
+              </a:rPr>
+              <a:t>McArdle, W. D.; Katch, F. I.; Katch, V. L. Exercise physiology : nutrition, energy, and human performance. 7. ed. Baltimore, Md: Wolters Kluwer/Lippincott Williams &amp; Wilkins, Cop, 2010. Acesso em: 18 ago. 2023.</a:t>
+            </a:r>
+          </a:p>
+          <a:p>
+            <a:pPr algn="just"/>
+            <a:endParaRPr lang="pt-BR" dirty="0">
+              <a:latin typeface="Arial" panose="020B0604020202020204" pitchFamily="34" charset="0"/>
+              <a:cs typeface="Arial" panose="020B0604020202020204" pitchFamily="34" charset="0"/>
+            </a:endParaRPr>
+          </a:p>
+          <a:p>
+            <a:pPr algn="just"/>
+            <a:r>
+              <a:rPr lang="pt-BR" dirty="0">
+                <a:latin typeface="Arial" panose="020B0604020202020204" pitchFamily="34" charset="0"/>
+                <a:cs typeface="Arial" panose="020B0604020202020204" pitchFamily="34" charset="0"/>
+              </a:rPr>
+              <a:t>MUZY COMPARTILHA DICAS INCRÍVEIS SOBRE ALIMENTAÇÃO. Disponível em: https://youtu.be/qTH_P4PBEI8. Acesso em: 26 maio 2023.</a:t>
+            </a:r>
+          </a:p>
+          <a:p>
+            <a:pPr algn="just"/>
+            <a:r>
+              <a:rPr lang="pt-BR" dirty="0">
+                <a:latin typeface="Arial" panose="020B0604020202020204" pitchFamily="34" charset="0"/>
+                <a:cs typeface="Arial" panose="020B0604020202020204" pitchFamily="34" charset="0"/>
+              </a:rPr>
+              <a:t> </a:t>
+            </a:r>
+          </a:p>
+          <a:p>
+            <a:pPr algn="just"/>
+            <a:r>
+              <a:rPr lang="pt-BR" dirty="0">
+                <a:latin typeface="Arial" panose="020B0604020202020204" pitchFamily="34" charset="0"/>
+                <a:cs typeface="Arial" panose="020B0604020202020204" pitchFamily="34" charset="0"/>
+              </a:rPr>
+              <a:t>OMS revela principais causas de morte e incapacidade em todo o mundo entre 2000 e 2019 - OPAS/OMS | Organização Pan-Americana da Saúde. Disponível em: https://www.paho.org/pt/noticias/9-12-2020-oms-revela-principais-causas-morte-e-incapacidade-em-todo-mundo-entre-2000-e Acesso em: 17 de março. 2023.</a:t>
+            </a:r>
+          </a:p>
+          <a:p>
+            <a:r>
+              <a:rPr lang="pt-BR" dirty="0"/>
+              <a:t> </a:t>
+            </a:r>
+            <a:endParaRPr lang="pt-BR" dirty="0">
+              <a:latin typeface="Arial" panose="020B0604020202020204" pitchFamily="34" charset="0"/>
+              <a:cs typeface="Arial" panose="020B0604020202020204" pitchFamily="34" charset="0"/>
+            </a:endParaRPr>
+          </a:p>
+          <a:p>
+            <a:pPr algn="just"/>
+            <a:endParaRPr lang="pt-BR" dirty="0">
+              <a:latin typeface="Arial" panose="020B0604020202020204" pitchFamily="34" charset="0"/>
+              <a:cs typeface="Arial" panose="020B0604020202020204" pitchFamily="34" charset="0"/>
+            </a:endParaRPr>
+          </a:p>
+        </p:txBody>
+      </p:sp>
+      <p:pic>
+        <p:nvPicPr>
+          <p:cNvPr id="6" name="Imagem 5">
+            <a:extLst>
+              <a:ext uri="{FF2B5EF4-FFF2-40B4-BE49-F238E27FC236}">
+                <a16:creationId xmlns:a16="http://schemas.microsoft.com/office/drawing/2014/main" id="{AFE2F556-6378-4DC0-A4FD-B819A96D6804}"/>
+              </a:ext>
+            </a:extLst>
+          </p:cNvPr>
+          <p:cNvPicPr/>
+          <p:nvPr/>
+        </p:nvPicPr>
+        <p:blipFill>
+          <a:blip r:embed="rId2">
+            <a:extLst>
+              <a:ext uri="{28A0092B-C50C-407E-A947-70E740481C1C}">
+                <a14:useLocalDpi xmlns:a14="http://schemas.microsoft.com/office/drawing/2010/main" val="0"/>
+              </a:ext>
+            </a:extLst>
+          </a:blip>
+          <a:srcRect/>
+          <a:stretch>
+            <a:fillRect/>
+          </a:stretch>
+        </p:blipFill>
+        <p:spPr bwMode="auto">
+          <a:xfrm>
+            <a:off x="0" y="6230880"/>
+            <a:ext cx="1137867" cy="620688"/>
+          </a:xfrm>
+          <a:prstGeom prst="rect">
+            <a:avLst/>
+          </a:prstGeom>
+          <a:noFill/>
+          <a:ln>
+            <a:noFill/>
+          </a:ln>
+        </p:spPr>
+      </p:pic>
+    </p:spTree>
+    <p:extLst>
+      <p:ext uri="{BB962C8B-B14F-4D97-AF65-F5344CB8AC3E}">
+        <p14:creationId xmlns:p14="http://schemas.microsoft.com/office/powerpoint/2010/main" val="1905168000"/>
+      </p:ext>
+    </p:extLst>
+  </p:cSld>
+  <p:clrMapOvr>
+    <a:masterClrMapping/>
+  </p:clrMapOvr>
+</p:sld>
+</file>
+
+<file path=ppt/slides/slide11.xml><?xml version="1.0" encoding="utf-8"?>
+<p:sld xmlns:a="http://schemas.openxmlformats.org/drawingml/2006/main" xmlns:r="http://schemas.openxmlformats.org/officeDocument/2006/relationships" xmlns:p="http://schemas.openxmlformats.org/presentationml/2006/main">
+  <p:cSld>
+    <p:spTree>
+      <p:nvGrpSpPr>
+        <p:cNvPr id="1" name=""/>
+        <p:cNvGrpSpPr/>
+        <p:nvPr/>
+      </p:nvGrpSpPr>
+      <p:grpSpPr>
+        <a:xfrm>
+          <a:off x="0" y="0"/>
+          <a:ext cx="0" cy="0"/>
+          <a:chOff x="0" y="0"/>
+          <a:chExt cx="0" cy="0"/>
+        </a:xfrm>
+      </p:grpSpPr>
+      <p:sp>
+        <p:nvSpPr>
+          <p:cNvPr id="2" name="Título 1">
+            <a:extLst>
+              <a:ext uri="{FF2B5EF4-FFF2-40B4-BE49-F238E27FC236}">
+                <a16:creationId xmlns:a16="http://schemas.microsoft.com/office/drawing/2014/main" id="{1445400E-7DBD-4145-A054-8ECA8AF9F79E}"/>
+              </a:ext>
+            </a:extLst>
+          </p:cNvPr>
+          <p:cNvSpPr>
+            <a:spLocks noGrp="1"/>
+          </p:cNvSpPr>
+          <p:nvPr>
+            <p:ph type="title"/>
+          </p:nvPr>
+        </p:nvSpPr>
+        <p:spPr>
+          <a:xfrm>
+            <a:off x="467446" y="476672"/>
+            <a:ext cx="8229600" cy="1143000"/>
+          </a:xfrm>
+        </p:spPr>
+        <p:txBody>
+          <a:bodyPr>
+            <a:normAutofit fontScale="90000"/>
+            <a:scene3d>
+              <a:camera prst="orthographicFront"/>
+              <a:lightRig rig="soft" dir="t">
+                <a:rot lat="0" lon="0" rev="15600000"/>
+              </a:lightRig>
+            </a:scene3d>
+            <a:sp3d extrusionH="57150" prstMaterial="softEdge">
+              <a:bevelT w="25400" h="38100"/>
+            </a:sp3d>
+          </a:bodyPr>
+          <a:lstStyle/>
+          <a:p>
+            <a:r>
+              <a:rPr lang="pt-BR" b="1" dirty="0">
+                <a:ln/>
+                <a:solidFill>
+                  <a:srgbClr val="C00000"/>
+                </a:solidFill>
+                <a:latin typeface="Arial" panose="020B0604020202020204" pitchFamily="34" charset="0"/>
+                <a:cs typeface="Arial" panose="020B0604020202020204" pitchFamily="34" charset="0"/>
+              </a:rPr>
+              <a:t>REFERÊNCIAS BIBLIOGRÁFICAS</a:t>
+            </a:r>
+          </a:p>
+        </p:txBody>
+      </p:sp>
+      <p:sp>
+        <p:nvSpPr>
+          <p:cNvPr id="3" name="Título 1">
+            <a:extLst>
+              <a:ext uri="{FF2B5EF4-FFF2-40B4-BE49-F238E27FC236}">
+                <a16:creationId xmlns:a16="http://schemas.microsoft.com/office/drawing/2014/main" id="{2EADB4CC-BF23-431D-BCDF-9C10C57F3AC6}"/>
+              </a:ext>
+            </a:extLst>
+          </p:cNvPr>
+          <p:cNvSpPr txBox="1">
+            <a:spLocks/>
+          </p:cNvSpPr>
+          <p:nvPr/>
+        </p:nvSpPr>
+        <p:spPr>
+          <a:xfrm>
+            <a:off x="457200" y="1754920"/>
+            <a:ext cx="8229600" cy="4392488"/>
+          </a:xfrm>
+          <a:prstGeom prst="rect">
+            <a:avLst/>
+          </a:prstGeom>
+        </p:spPr>
+        <p:txBody>
+          <a:bodyPr vert="horz" lIns="91440" tIns="45720" rIns="91440" bIns="45720" rtlCol="0" anchor="ctr">
+            <a:normAutofit fontScale="32500" lnSpcReduction="20000"/>
+          </a:bodyPr>
+          <a:lstStyle>
+            <a:lvl1pPr algn="ctr" defTabSz="914400" rtl="0" eaLnBrk="1" latinLnBrk="0" hangingPunct="1">
+              <a:spcBef>
+                <a:spcPct val="0"/>
+              </a:spcBef>
+              <a:buNone/>
+              <a:defRPr sz="4400" kern="1200">
+                <a:solidFill>
+                  <a:schemeClr val="tx1"/>
+                </a:solidFill>
+                <a:latin typeface="+mj-lt"/>
+                <a:ea typeface="+mj-ea"/>
+                <a:cs typeface="+mj-cs"/>
+              </a:defRPr>
+            </a:lvl1pPr>
+          </a:lstStyle>
+          <a:p>
+            <a:pPr algn="just"/>
+            <a:r>
+              <a:rPr lang="pt-BR" dirty="0">
+                <a:latin typeface="Arial" panose="020B0604020202020204" pitchFamily="34" charset="0"/>
+                <a:cs typeface="Arial" panose="020B0604020202020204" pitchFamily="34" charset="0"/>
+              </a:rPr>
+              <a:t>Paola Machado - A lista é longa! Veja doenças que podem ser causadas pela má alimentação. Disponível em: https://www.uol.com.br/vivabem/colunas/paola-machado/2022/12/01/doencas-que-podem-ser-causadas-pela-ma-alimentacao.htm. Acesso em: 14 abril. 2023.</a:t>
+            </a:r>
+          </a:p>
+          <a:p>
+            <a:pPr algn="just"/>
+            <a:r>
+              <a:rPr lang="pt-BR" dirty="0">
+                <a:latin typeface="Arial" panose="020B0604020202020204" pitchFamily="34" charset="0"/>
+                <a:cs typeface="Arial" panose="020B0604020202020204" pitchFamily="34" charset="0"/>
+              </a:rPr>
+              <a:t> </a:t>
+            </a:r>
+          </a:p>
+          <a:p>
+            <a:pPr algn="just"/>
+            <a:r>
+              <a:rPr lang="pt-BR" dirty="0">
+                <a:latin typeface="Arial" panose="020B0604020202020204" pitchFamily="34" charset="0"/>
+                <a:cs typeface="Arial" panose="020B0604020202020204" pitchFamily="34" charset="0"/>
+              </a:rPr>
+              <a:t>PEPINO, D. L. Se alimentar mal pode trazer consequências. Disponível em: https://www.lucianapepino.com.br/blog/doencas-causadas-pela-ma-alimentacao/. Acesso em: 14 abril. 2023.</a:t>
+            </a:r>
+          </a:p>
+          <a:p>
+            <a:pPr algn="just"/>
+            <a:r>
+              <a:rPr lang="pt-BR" dirty="0">
+                <a:latin typeface="Arial" panose="020B0604020202020204" pitchFamily="34" charset="0"/>
+                <a:cs typeface="Arial" panose="020B0604020202020204" pitchFamily="34" charset="0"/>
+              </a:rPr>
+              <a:t> </a:t>
+            </a:r>
+          </a:p>
+          <a:p>
+            <a:pPr algn="just"/>
+            <a:r>
+              <a:rPr lang="pt-BR" dirty="0">
+                <a:latin typeface="Arial" panose="020B0604020202020204" pitchFamily="34" charset="0"/>
+                <a:cs typeface="Arial" panose="020B0604020202020204" pitchFamily="34" charset="0"/>
+              </a:rPr>
+              <a:t>Quais As Consequências Da Má Alimentação? - Clínica Hepatogastro. Disponível em: https://hepatogastro.com.br/quais-as-consequencias-da-ma-alimentacao/. Acesso em: 28 de abril. 2023.</a:t>
+            </a:r>
+          </a:p>
+          <a:p>
+            <a:pPr algn="just"/>
+            <a:r>
+              <a:rPr lang="pt-BR" dirty="0">
+                <a:latin typeface="Arial" panose="020B0604020202020204" pitchFamily="34" charset="0"/>
+                <a:cs typeface="Arial" panose="020B0604020202020204" pitchFamily="34" charset="0"/>
+              </a:rPr>
+              <a:t> </a:t>
+            </a:r>
+          </a:p>
+          <a:p>
+            <a:pPr algn="just"/>
+            <a:r>
+              <a:rPr lang="pt-BR" dirty="0">
+                <a:latin typeface="Arial" panose="020B0604020202020204" pitchFamily="34" charset="0"/>
+                <a:cs typeface="Arial" panose="020B0604020202020204" pitchFamily="34" charset="0"/>
+              </a:rPr>
+              <a:t>Saiba quais são as doenças ligadas à má alimentação. Disponível em: https://minhasaude.proteste.org.br/doencas-ligadas-a-ma-alimentacao/. Acesso em: 14 abril. 2023.</a:t>
+            </a:r>
+          </a:p>
+          <a:p>
+            <a:pPr algn="just"/>
+            <a:r>
+              <a:rPr lang="pt-BR" dirty="0">
+                <a:latin typeface="Arial" panose="020B0604020202020204" pitchFamily="34" charset="0"/>
+                <a:cs typeface="Arial" panose="020B0604020202020204" pitchFamily="34" charset="0"/>
+              </a:rPr>
+              <a:t> </a:t>
+            </a:r>
+          </a:p>
+          <a:p>
+            <a:pPr algn="just"/>
+            <a:r>
+              <a:rPr lang="pt-BR" dirty="0">
+                <a:latin typeface="Arial" panose="020B0604020202020204" pitchFamily="34" charset="0"/>
+                <a:cs typeface="Arial" panose="020B0604020202020204" pitchFamily="34" charset="0"/>
+              </a:rPr>
+              <a:t>Sedentarismo é inimigo da saúde do coração. Disponível em: https://ccr.med.br/sedentarismo-inimigo-saude-coracao/. Acesso em: 12 de maio. 2023.</a:t>
+            </a:r>
+          </a:p>
+          <a:p>
+            <a:pPr algn="just"/>
+            <a:r>
+              <a:rPr lang="pt-BR" dirty="0">
+                <a:latin typeface="Arial" panose="020B0604020202020204" pitchFamily="34" charset="0"/>
+                <a:cs typeface="Arial" panose="020B0604020202020204" pitchFamily="34" charset="0"/>
+              </a:rPr>
+              <a:t> </a:t>
+            </a:r>
+          </a:p>
+          <a:p>
+            <a:pPr algn="just"/>
+            <a:r>
+              <a:rPr lang="pt-BR" dirty="0">
+                <a:latin typeface="Arial" panose="020B0604020202020204" pitchFamily="34" charset="0"/>
+                <a:cs typeface="Arial" panose="020B0604020202020204" pitchFamily="34" charset="0"/>
+              </a:rPr>
+              <a:t>SCIATH. Sedentarismo: a relação entre atividade física e nutrição. Disponível em: https://sciath.com.br/sedentarismo-atividade-fisica-nutricao/. Acesso em: 19 maio. 2023.</a:t>
+            </a:r>
+          </a:p>
+          <a:p>
+            <a:pPr algn="just"/>
+            <a:r>
+              <a:rPr lang="pt-BR" dirty="0">
+                <a:latin typeface="Arial" panose="020B0604020202020204" pitchFamily="34" charset="0"/>
+                <a:cs typeface="Arial" panose="020B0604020202020204" pitchFamily="34" charset="0"/>
+              </a:rPr>
+              <a:t> </a:t>
+            </a:r>
+          </a:p>
+          <a:p>
+            <a:pPr algn="just"/>
+            <a:r>
+              <a:rPr lang="pt-BR" dirty="0">
+                <a:latin typeface="Arial" panose="020B0604020202020204" pitchFamily="34" charset="0"/>
+                <a:cs typeface="Arial" panose="020B0604020202020204" pitchFamily="34" charset="0"/>
+              </a:rPr>
+              <a:t>SOUZA, E. B. DE. Transição nutricional no Brasil: análise dos principais fatores. Cadernos UniFOA, v. 5, n. 13, p. 49–53, 27 mar. 2017.Acesso em: 19 de maio de 2023.</a:t>
+            </a:r>
+          </a:p>
+        </p:txBody>
+      </p:sp>
+      <p:pic>
+        <p:nvPicPr>
+          <p:cNvPr id="6" name="Imagem 5">
+            <a:extLst>
+              <a:ext uri="{FF2B5EF4-FFF2-40B4-BE49-F238E27FC236}">
+                <a16:creationId xmlns:a16="http://schemas.microsoft.com/office/drawing/2014/main" id="{AFE2F556-6378-4DC0-A4FD-B819A96D6804}"/>
+              </a:ext>
+            </a:extLst>
+          </p:cNvPr>
+          <p:cNvPicPr/>
+          <p:nvPr/>
+        </p:nvPicPr>
+        <p:blipFill>
+          <a:blip r:embed="rId2">
+            <a:extLst>
+              <a:ext uri="{28A0092B-C50C-407E-A947-70E740481C1C}">
+                <a14:useLocalDpi xmlns:a14="http://schemas.microsoft.com/office/drawing/2010/main" val="0"/>
+              </a:ext>
+            </a:extLst>
+          </a:blip>
+          <a:srcRect/>
+          <a:stretch>
+            <a:fillRect/>
+          </a:stretch>
+        </p:blipFill>
+        <p:spPr bwMode="auto">
+          <a:xfrm>
+            <a:off x="0" y="6230880"/>
+            <a:ext cx="1137867" cy="620688"/>
+          </a:xfrm>
+          <a:prstGeom prst="rect">
+            <a:avLst/>
+          </a:prstGeom>
+          <a:noFill/>
+          <a:ln>
+            <a:noFill/>
+          </a:ln>
+        </p:spPr>
+      </p:pic>
+    </p:spTree>
+    <p:extLst>
+      <p:ext uri="{BB962C8B-B14F-4D97-AF65-F5344CB8AC3E}">
+        <p14:creationId xmlns:p14="http://schemas.microsoft.com/office/powerpoint/2010/main" val="2843529663"/>
+      </p:ext>
+    </p:extLst>
+  </p:cSld>
+  <p:clrMapOvr>
+    <a:masterClrMapping/>
+  </p:clrMapOvr>
+</p:sld>
+</file>
+
+<file path=ppt/slides/slide12.xml><?xml version="1.0" encoding="utf-8"?>
+<p:sld xmlns:a="http://schemas.openxmlformats.org/drawingml/2006/main" xmlns:r="http://schemas.openxmlformats.org/officeDocument/2006/relationships" xmlns:p="http://schemas.openxmlformats.org/presentationml/2006/main">
+  <p:cSld>
+    <p:spTree>
+      <p:nvGrpSpPr>
+        <p:cNvPr id="1" name=""/>
+        <p:cNvGrpSpPr/>
+        <p:nvPr/>
+      </p:nvGrpSpPr>
+      <p:grpSpPr>
+        <a:xfrm>
+          <a:off x="0" y="0"/>
+          <a:ext cx="0" cy="0"/>
+          <a:chOff x="0" y="0"/>
+          <a:chExt cx="0" cy="0"/>
+        </a:xfrm>
+      </p:grpSpPr>
       <p:pic>
         <p:nvPicPr>
           <p:cNvPr id="3" name="Imagem 2" descr="Uma imagem contendo desenho&#10;&#10;Descrição gerada automaticamente">
@@ -1467,6 +2178,92 @@
           <a:xfrm>
             <a:off x="6516216" y="6237312"/>
             <a:ext cx="648072" cy="488800"/>
+          </a:xfrm>
+          <a:prstGeom prst="rect">
+            <a:avLst/>
+          </a:prstGeom>
+        </p:spPr>
+      </p:pic>
+      <p:sp>
+        <p:nvSpPr>
+          <p:cNvPr id="2" name="Retângulo 1">
+            <a:extLst>
+              <a:ext uri="{FF2B5EF4-FFF2-40B4-BE49-F238E27FC236}">
+                <a16:creationId xmlns:a16="http://schemas.microsoft.com/office/drawing/2014/main" id="{F73635A3-D613-D1BF-528E-2013D8B9BF84}"/>
+              </a:ext>
+            </a:extLst>
+          </p:cNvPr>
+          <p:cNvSpPr/>
+          <p:nvPr/>
+        </p:nvSpPr>
+        <p:spPr>
+          <a:xfrm>
+            <a:off x="6261730" y="6171368"/>
+            <a:ext cx="936104" cy="620688"/>
+          </a:xfrm>
+          <a:prstGeom prst="rect">
+            <a:avLst/>
+          </a:prstGeom>
+          <a:solidFill>
+            <a:srgbClr val="AF0917"/>
+          </a:solidFill>
+          <a:ln>
+            <a:noFill/>
+          </a:ln>
+        </p:spPr>
+        <p:style>
+          <a:lnRef idx="0">
+            <a:scrgbClr r="0" g="0" b="0"/>
+          </a:lnRef>
+          <a:fillRef idx="0">
+            <a:scrgbClr r="0" g="0" b="0"/>
+          </a:fillRef>
+          <a:effectRef idx="0">
+            <a:scrgbClr r="0" g="0" b="0"/>
+          </a:effectRef>
+          <a:fontRef idx="minor">
+            <a:schemeClr val="lt1"/>
+          </a:fontRef>
+        </p:style>
+        <p:txBody>
+          <a:bodyPr rtlCol="0" anchor="ctr"/>
+          <a:lstStyle/>
+          <a:p>
+            <a:pPr algn="ctr"/>
+            <a:endParaRPr lang="pt-BR" dirty="0"/>
+          </a:p>
+        </p:txBody>
+      </p:sp>
+      <p:pic>
+        <p:nvPicPr>
+          <p:cNvPr id="6" name="Imagem 5">
+            <a:extLst>
+              <a:ext uri="{FF2B5EF4-FFF2-40B4-BE49-F238E27FC236}">
+                <a16:creationId xmlns:a16="http://schemas.microsoft.com/office/drawing/2014/main" id="{5D64A409-18EA-E859-C003-8EC095614C93}"/>
+              </a:ext>
+            </a:extLst>
+          </p:cNvPr>
+          <p:cNvPicPr>
+            <a:picLocks noChangeAspect="1"/>
+          </p:cNvPicPr>
+          <p:nvPr/>
+        </p:nvPicPr>
+        <p:blipFill>
+          <a:blip r:embed="rId3" cstate="print">
+            <a:extLst>
+              <a:ext uri="{28A0092B-C50C-407E-A947-70E740481C1C}">
+                <a14:useLocalDpi xmlns:a14="http://schemas.microsoft.com/office/drawing/2010/main" val="0"/>
+              </a:ext>
+            </a:extLst>
+          </a:blip>
+          <a:stretch>
+            <a:fillRect/>
+          </a:stretch>
+        </p:blipFill>
+        <p:spPr>
+          <a:xfrm>
+            <a:off x="6451743" y="6224444"/>
+            <a:ext cx="777017" cy="488652"/>
           </a:xfrm>
           <a:prstGeom prst="rect">
             <a:avLst/>
@@ -1548,10 +2345,10 @@
       </p:cxnSp>
       <p:pic>
         <p:nvPicPr>
-          <p:cNvPr id="4" name="Imagem 3" descr="Logotipo, nome da empresa&#10;&#10;Descrição gerada automaticamente">
+          <p:cNvPr id="7" name="Imagem 6">
             <a:extLst>
               <a:ext uri="{FF2B5EF4-FFF2-40B4-BE49-F238E27FC236}">
-                <a16:creationId xmlns:a16="http://schemas.microsoft.com/office/drawing/2014/main" id="{48640CCA-AEC3-4D41-B952-D433C54493CC}"/>
+                <a16:creationId xmlns:a16="http://schemas.microsoft.com/office/drawing/2014/main" id="{B34B44FC-E42F-2DA1-8171-5C6F0B992723}"/>
               </a:ext>
             </a:extLst>
           </p:cNvPr>
@@ -1561,7 +2358,7 @@
           <p:nvPr/>
         </p:nvPicPr>
         <p:blipFill>
-          <a:blip r:embed="rId2" cstate="print">
+          <a:blip r:embed="rId2">
             <a:extLst>
               <a:ext uri="{28A0092B-C50C-407E-A947-70E740481C1C}">
                 <a14:useLocalDpi xmlns:a14="http://schemas.microsoft.com/office/drawing/2010/main" val="0"/>
@@ -1574,51 +2371,12 @@
         </p:blipFill>
         <p:spPr>
           <a:xfrm>
-            <a:off x="864151" y="1916832"/>
-            <a:ext cx="3347810" cy="3347810"/>
+            <a:off x="2196980" y="1700808"/>
+            <a:ext cx="5038071" cy="3168352"/>
           </a:xfrm>
           <a:prstGeom prst="rect">
             <a:avLst/>
           </a:prstGeom>
-        </p:spPr>
-      </p:pic>
-      <p:pic>
-        <p:nvPicPr>
-          <p:cNvPr id="5" name="Imagem 4">
-            <a:extLst>
-              <a:ext uri="{FF2B5EF4-FFF2-40B4-BE49-F238E27FC236}">
-                <a16:creationId xmlns:a16="http://schemas.microsoft.com/office/drawing/2014/main" id="{728E309F-FB6E-404A-B58A-88F91CBEAB14}"/>
-              </a:ext>
-            </a:extLst>
-          </p:cNvPr>
-          <p:cNvPicPr/>
-          <p:nvPr/>
-        </p:nvPicPr>
-        <p:blipFill>
-          <a:blip r:embed="rId3">
-            <a:extLst>
-              <a:ext uri="{28A0092B-C50C-407E-A947-70E740481C1C}">
-                <a14:useLocalDpi xmlns:a14="http://schemas.microsoft.com/office/drawing/2010/main" val="0"/>
-              </a:ext>
-            </a:extLst>
-          </a:blip>
-          <a:srcRect/>
-          <a:stretch>
-            <a:fillRect/>
-          </a:stretch>
-        </p:blipFill>
-        <p:spPr bwMode="auto">
-          <a:xfrm>
-            <a:off x="4932041" y="2506548"/>
-            <a:ext cx="3059769" cy="2168376"/>
-          </a:xfrm>
-          <a:prstGeom prst="rect">
-            <a:avLst/>
-          </a:prstGeom>
-          <a:noFill/>
-          <a:ln>
-            <a:noFill/>
-          </a:ln>
         </p:spPr>
       </p:pic>
     </p:spTree>
@@ -1669,61 +2427,47 @@
         </p:nvSpPr>
         <p:spPr>
           <a:xfrm>
-            <a:off x="496254" y="2646040"/>
-            <a:ext cx="8229600" cy="1143000"/>
+            <a:off x="544275" y="1556792"/>
+            <a:ext cx="8229600" cy="1719064"/>
           </a:xfrm>
         </p:spPr>
         <p:txBody>
-          <a:bodyPr/>
+          <a:bodyPr>
+            <a:noAutofit/>
+            <a:scene3d>
+              <a:camera prst="orthographicFront"/>
+              <a:lightRig rig="soft" dir="t">
+                <a:rot lat="0" lon="0" rev="15600000"/>
+              </a:lightRig>
+            </a:scene3d>
+            <a:sp3d extrusionH="57150" prstMaterial="softEdge">
+              <a:bevelT w="25400" h="38100"/>
+            </a:sp3d>
+          </a:bodyPr>
           <a:lstStyle/>
           <a:p>
             <a:r>
-              <a:rPr lang="pt-BR" b="1" dirty="0" err="1">
+              <a:rPr lang="pt-BR" sz="2400" b="1" dirty="0">
+                <a:ln/>
                 <a:solidFill>
                   <a:srgbClr val="C00000"/>
                 </a:solidFill>
-              </a:rPr>
-              <a:t>Food</a:t>
-            </a:r>
-            <a:r>
-              <a:rPr lang="pt-BR" b="1" dirty="0">
+                <a:latin typeface="Arial" panose="020B0604020202020204" pitchFamily="34" charset="0"/>
+                <a:ea typeface="Calibri" panose="020F0502020204030204" pitchFamily="34" charset="0"/>
+                <a:cs typeface="Arial" panose="020B0604020202020204" pitchFamily="34" charset="0"/>
+              </a:rPr>
+              <a:t>CRIAÇÃO DE UM SITE COM SUGESTÕES PARA ALIMENTAÇÃO BALANCEADA E ATIVIDADES FÍSICAS: F</a:t>
+            </a:r>
+            <a:r>
+              <a:rPr lang="pt-BR" sz="2400" b="1" dirty="0">
+                <a:ln/>
                 <a:solidFill>
                   <a:srgbClr val="C00000"/>
                 </a:solidFill>
-              </a:rPr>
-              <a:t> </a:t>
-            </a:r>
-            <a:r>
-              <a:rPr lang="pt-BR" b="1" dirty="0" err="1">
-                <a:solidFill>
-                  <a:srgbClr val="C00000"/>
-                </a:solidFill>
-              </a:rPr>
-              <a:t>and</a:t>
-            </a:r>
-            <a:r>
-              <a:rPr lang="pt-BR" b="1" dirty="0">
-                <a:solidFill>
-                  <a:srgbClr val="C00000"/>
-                </a:solidFill>
-              </a:rPr>
-              <a:t> </a:t>
-            </a:r>
-            <a:r>
-              <a:rPr lang="pt-BR" b="1" dirty="0" err="1">
-                <a:solidFill>
-                  <a:srgbClr val="C00000"/>
-                </a:solidFill>
-              </a:rPr>
-              <a:t>Physical</a:t>
-            </a:r>
-            <a:r>
-              <a:rPr lang="pt-BR" b="1" dirty="0">
-                <a:solidFill>
-                  <a:srgbClr val="C00000"/>
-                </a:solidFill>
-              </a:rPr>
-              <a:t> Health(F.P.H)</a:t>
+                <a:latin typeface="Arial" panose="020B0604020202020204" pitchFamily="34" charset="0"/>
+                <a:cs typeface="Arial" panose="020B0604020202020204" pitchFamily="34" charset="0"/>
+              </a:rPr>
+              <a:t>ood and Physical Health(F.P.H)</a:t>
             </a:r>
           </a:p>
         </p:txBody>
@@ -1744,7 +2488,7 @@
         </p:nvSpPr>
         <p:spPr>
           <a:xfrm>
-            <a:off x="496254" y="3645024"/>
+            <a:off x="457200" y="3081778"/>
             <a:ext cx="8229600" cy="1440160"/>
           </a:xfrm>
           <a:prstGeom prst="rect">
@@ -1773,29 +2517,19 @@
           </a:lstStyle>
           <a:p>
             <a:r>
-              <a:rPr lang="pt-BR" sz="2800" dirty="0"/>
-              <a:t>Integrantes: Daniel José Dantas </a:t>
-            </a:r>
-            <a:r>
-              <a:rPr lang="pt-BR" sz="2800" dirty="0" err="1"/>
-              <a:t>Jacometo</a:t>
-            </a:r>
-            <a:r>
-              <a:rPr lang="pt-BR" sz="2800" dirty="0"/>
-              <a:t>, João Pedro Garcia </a:t>
-            </a:r>
-            <a:r>
-              <a:rPr lang="pt-BR" sz="2800" dirty="0" err="1"/>
-              <a:t>Girotto</a:t>
-            </a:r>
-            <a:r>
-              <a:rPr lang="pt-BR" sz="2800" dirty="0"/>
-              <a:t> e Manoela Pinheiro da Silva.</a:t>
-            </a:r>
-          </a:p>
-          <a:p>
-            <a:r>
-              <a:rPr lang="pt-BR" sz="2800" dirty="0"/>
+              <a:rPr lang="pt-BR" sz="2000" dirty="0">
+                <a:latin typeface="Arial" panose="020B0604020202020204" pitchFamily="34" charset="0"/>
+                <a:cs typeface="Arial" panose="020B0604020202020204" pitchFamily="34" charset="0"/>
+              </a:rPr>
+              <a:t>Integrantes: Daniel José Dantas Jacometo, João Pedro Garcia Girotto e Manoela Pinheiro da Silva.</a:t>
+            </a:r>
+          </a:p>
+          <a:p>
+            <a:r>
+              <a:rPr lang="pt-BR" sz="2000" dirty="0">
+                <a:latin typeface="Arial" panose="020B0604020202020204" pitchFamily="34" charset="0"/>
+                <a:cs typeface="Arial" panose="020B0604020202020204" pitchFamily="34" charset="0"/>
+              </a:rPr>
               <a:t>Orientador: Flávio Claudino de Araújo.</a:t>
             </a:r>
           </a:p>
@@ -1803,10 +2537,10 @@
       </p:sp>
       <p:pic>
         <p:nvPicPr>
-          <p:cNvPr id="6" name="Imagem 5">
+          <p:cNvPr id="8" name="Imagem 7">
             <a:extLst>
               <a:ext uri="{FF2B5EF4-FFF2-40B4-BE49-F238E27FC236}">
-                <a16:creationId xmlns:a16="http://schemas.microsoft.com/office/drawing/2014/main" id="{CD2052BF-FA3A-4D50-AC9E-472A3353AFA2}"/>
+                <a16:creationId xmlns:a16="http://schemas.microsoft.com/office/drawing/2014/main" id="{EF6F8B82-27B2-E50E-EA6C-8742167E17B1}"/>
               </a:ext>
             </a:extLst>
           </p:cNvPr>
@@ -1893,14 +2627,28 @@
           </a:xfrm>
         </p:spPr>
         <p:txBody>
-          <a:bodyPr/>
+          <a:bodyPr>
+            <a:normAutofit/>
+            <a:scene3d>
+              <a:camera prst="orthographicFront"/>
+              <a:lightRig rig="soft" dir="t">
+                <a:rot lat="0" lon="0" rev="15600000"/>
+              </a:lightRig>
+            </a:scene3d>
+            <a:sp3d extrusionH="57150" prstMaterial="softEdge">
+              <a:bevelT w="25400" h="38100"/>
+            </a:sp3d>
+          </a:bodyPr>
           <a:lstStyle/>
           <a:p>
             <a:r>
-              <a:rPr lang="pt-BR" b="1" dirty="0">
+              <a:rPr lang="pt-BR" sz="4000" b="1" dirty="0">
+                <a:ln/>
                 <a:solidFill>
                   <a:srgbClr val="C00000"/>
                 </a:solidFill>
+                <a:latin typeface="Arial" panose="020B0604020202020204" pitchFamily="34" charset="0"/>
+                <a:cs typeface="Arial" panose="020B0604020202020204" pitchFamily="34" charset="0"/>
               </a:rPr>
               <a:t>INTRODUÇÃO</a:t>
             </a:r>
@@ -1932,7 +2680,7 @@
         </p:spPr>
         <p:txBody>
           <a:bodyPr vert="horz" lIns="91440" tIns="45720" rIns="91440" bIns="45720" rtlCol="0" anchor="ctr">
-            <a:normAutofit fontScale="25000" lnSpcReduction="20000"/>
+            <a:normAutofit/>
           </a:bodyPr>
           <a:lstStyle>
             <a:lvl1pPr algn="ctr" defTabSz="914400" rtl="0" eaLnBrk="1" latinLnBrk="0" hangingPunct="1">
@@ -1955,23 +2703,12 @@
               <a:defRPr/>
             </a:pPr>
             <a:r>
-              <a:rPr lang="pt-BR" altLang="pt-BR" sz="9600" dirty="0">
-                <a:solidFill>
-                  <a:schemeClr val="tx1">
-                    <a:lumMod val="95000"/>
-                    <a:lumOff val="5000"/>
-                  </a:schemeClr>
-                </a:solidFill>
-                <a:ea typeface="Tahoma" panose="020B0604030504040204" pitchFamily="34" charset="0"/>
-                <a:cs typeface="Tahoma" panose="020B0604030504040204" pitchFamily="34" charset="0"/>
-              </a:rPr>
-              <a:t>A plataforma proposta é um site que visa ajudar as pessoas a adotarem uma alimentação mais saudável, oferecendo sugestões de alimentos com baixas calorias e uma calculadora para monitorar a ingestão de carboidratos. O objetivo é combater as sérias consequências da má alimentação, como doenças crônicas, promovendo uma melhor qualidade de vida e economizando tempo por meio de orientações práticas. Além disso, a plataforma busca criar uma comunidade onde as melhorias na saúde possam ser compartilhadas, com a meta geral de incentivar uma alimentação saudável e reduzir os altos índices de doenças relacionadas à alimentação entre outras funcionalidades.</a:t>
-            </a:r>
-            <a:endParaRPr lang="pt-BR" b="1" dirty="0">
-              <a:solidFill>
-                <a:srgbClr val="C00000"/>
-              </a:solidFill>
-            </a:endParaRPr>
+              <a:rPr lang="pt-BR" sz="2400" dirty="0">
+                <a:latin typeface="Arial" panose="020B0604020202020204" pitchFamily="34" charset="0"/>
+                <a:cs typeface="Arial" panose="020B0604020202020204" pitchFamily="34" charset="0"/>
+              </a:rPr>
+              <a:t>É uma plataforma online que promove alimentação saudável, sugerindo alimentos de baixas calorias e monitorando carboidratos. Alguns objetivos são combater doenças, melhorar a qualidade de vida, economizar tempo e incentivar uma alimentação saudável por meio de uma comunidade compartilhando melhorias na saúde e reduzindo doenças relacionadas à alimentação.</a:t>
+            </a:r>
           </a:p>
         </p:txBody>
       </p:sp>
@@ -2067,14 +2804,28 @@
           </a:xfrm>
         </p:spPr>
         <p:txBody>
-          <a:bodyPr/>
+          <a:bodyPr>
+            <a:normAutofit/>
+            <a:scene3d>
+              <a:camera prst="orthographicFront"/>
+              <a:lightRig rig="soft" dir="t">
+                <a:rot lat="0" lon="0" rev="15600000"/>
+              </a:lightRig>
+            </a:scene3d>
+            <a:sp3d extrusionH="57150" prstMaterial="softEdge">
+              <a:bevelT w="25400" h="38100"/>
+            </a:sp3d>
+          </a:bodyPr>
           <a:lstStyle/>
           <a:p>
             <a:r>
-              <a:rPr lang="pt-BR" b="1" dirty="0">
+              <a:rPr lang="pt-BR" sz="4000" b="1" dirty="0">
+                <a:ln/>
                 <a:solidFill>
                   <a:srgbClr val="C00000"/>
                 </a:solidFill>
+                <a:latin typeface="Arial" panose="020B0604020202020204" pitchFamily="34" charset="0"/>
+                <a:cs typeface="Arial" panose="020B0604020202020204" pitchFamily="34" charset="0"/>
               </a:rPr>
               <a:t>OBJETIVO GERAL</a:t>
             </a:r>
@@ -2251,14 +3002,28 @@
           </a:xfrm>
         </p:spPr>
         <p:txBody>
-          <a:bodyPr/>
+          <a:bodyPr>
+            <a:normAutofit/>
+            <a:scene3d>
+              <a:camera prst="orthographicFront"/>
+              <a:lightRig rig="soft" dir="t">
+                <a:rot lat="0" lon="0" rev="15600000"/>
+              </a:lightRig>
+            </a:scene3d>
+            <a:sp3d extrusionH="57150" prstMaterial="softEdge">
+              <a:bevelT w="25400" h="38100"/>
+            </a:sp3d>
+          </a:bodyPr>
           <a:lstStyle/>
           <a:p>
             <a:r>
-              <a:rPr lang="pt-BR" b="1" dirty="0">
+              <a:rPr lang="pt-BR" sz="4000" b="1" dirty="0">
+                <a:ln/>
                 <a:solidFill>
                   <a:srgbClr val="C00000"/>
                 </a:solidFill>
+                <a:latin typeface="Arial" panose="020B0604020202020204" pitchFamily="34" charset="0"/>
+                <a:cs typeface="Arial" panose="020B0604020202020204" pitchFamily="34" charset="0"/>
               </a:rPr>
               <a:t>OBJETIVOS ESPECÍFICOS</a:t>
             </a:r>
@@ -2281,8 +3046,8 @@
         </p:nvSpPr>
         <p:spPr>
           <a:xfrm>
-            <a:off x="467446" y="1588656"/>
-            <a:ext cx="8229600" cy="3969568"/>
+            <a:off x="375044" y="1844824"/>
+            <a:ext cx="8301510" cy="3969568"/>
           </a:xfrm>
           <a:prstGeom prst="rect">
             <a:avLst/>
@@ -2479,14 +3244,28 @@
           </a:xfrm>
         </p:spPr>
         <p:txBody>
-          <a:bodyPr/>
+          <a:bodyPr>
+            <a:normAutofit/>
+            <a:scene3d>
+              <a:camera prst="orthographicFront"/>
+              <a:lightRig rig="soft" dir="t">
+                <a:rot lat="0" lon="0" rev="15600000"/>
+              </a:lightRig>
+            </a:scene3d>
+            <a:sp3d extrusionH="57150" prstMaterial="softEdge">
+              <a:bevelT w="25400" h="38100"/>
+            </a:sp3d>
+          </a:bodyPr>
           <a:lstStyle/>
           <a:p>
             <a:r>
-              <a:rPr lang="pt-BR" b="1" dirty="0">
+              <a:rPr lang="pt-BR" sz="4000" b="1" dirty="0">
+                <a:ln/>
                 <a:solidFill>
                   <a:srgbClr val="C00000"/>
                 </a:solidFill>
+                <a:latin typeface="Arial" panose="020B0604020202020204" pitchFamily="34" charset="0"/>
+                <a:cs typeface="Arial" panose="020B0604020202020204" pitchFamily="34" charset="0"/>
               </a:rPr>
               <a:t>METODOLOGIA</a:t>
             </a:r>
@@ -2518,7 +3297,7 @@
         </p:spPr>
         <p:txBody>
           <a:bodyPr vert="horz" lIns="91440" tIns="45720" rIns="91440" bIns="45720" rtlCol="0" anchor="ctr">
-            <a:normAutofit fontScale="25000" lnSpcReduction="20000"/>
+            <a:normAutofit/>
           </a:bodyPr>
           <a:lstStyle>
             <a:lvl1pPr algn="ctr" defTabSz="914400" rtl="0" eaLnBrk="1" latinLnBrk="0" hangingPunct="1">
@@ -2541,126 +3320,25 @@
               <a:defRPr/>
             </a:pPr>
             <a:r>
-              <a:rPr lang="pt-BR" altLang="pt-BR" sz="9600" dirty="0">
+              <a:rPr lang="pt-BR" altLang="pt-BR" sz="2400" dirty="0">
                 <a:solidFill>
                   <a:schemeClr val="tx1">
                     <a:lumMod val="95000"/>
                     <a:lumOff val="5000"/>
                   </a:schemeClr>
                 </a:solidFill>
+                <a:latin typeface="Arial" panose="020B0604020202020204" pitchFamily="34" charset="0"/>
                 <a:ea typeface="Tahoma" panose="020B0604030504040204" pitchFamily="34" charset="0"/>
-                <a:cs typeface="Tahoma" panose="020B0604030504040204" pitchFamily="34" charset="0"/>
-              </a:rPr>
-              <a:t>Este relatório propõe a criação de um site pelos alunos do terceiro ano do colégio Prof. Dr. Antônio Eufrásio de Toledo, sediado na FATEC (Faculdade de Tecnologia de Presidente Prudente), como parte do curso de Desenvolvimento de Sistemas. A plataforma planejada tem como objetivo fornecer recomendações para uma alimentação balanceada, incluindo informações nutricionais de alimentos e a capacidade de calcular o valor calórico das refeições. Além disso, contará com um chat interativo para os usuários compartilharem experiências e oferecerá sugestões de atividades físicas para promover uma vida saudável. O desenvolvimento ocorreu no Visual Studio </a:t>
-            </a:r>
-            <a:r>
-              <a:rPr lang="pt-BR" altLang="pt-BR" sz="9600" dirty="0" err="1">
-                <a:solidFill>
-                  <a:schemeClr val="tx1">
-                    <a:lumMod val="95000"/>
-                    <a:lumOff val="5000"/>
-                  </a:schemeClr>
-                </a:solidFill>
-                <a:ea typeface="Tahoma" panose="020B0604030504040204" pitchFamily="34" charset="0"/>
-                <a:cs typeface="Tahoma" panose="020B0604030504040204" pitchFamily="34" charset="0"/>
-              </a:rPr>
-              <a:t>Code</a:t>
-            </a:r>
-            <a:r>
-              <a:rPr lang="pt-BR" altLang="pt-BR" sz="9600" dirty="0">
-                <a:solidFill>
-                  <a:schemeClr val="tx1">
-                    <a:lumMod val="95000"/>
-                    <a:lumOff val="5000"/>
-                  </a:schemeClr>
-                </a:solidFill>
-                <a:ea typeface="Tahoma" panose="020B0604030504040204" pitchFamily="34" charset="0"/>
-                <a:cs typeface="Tahoma" panose="020B0604030504040204" pitchFamily="34" charset="0"/>
-              </a:rPr>
-              <a:t>, usando HTML, JSON, CSS e </a:t>
-            </a:r>
-            <a:r>
-              <a:rPr lang="pt-BR" altLang="pt-BR" sz="9600" dirty="0" err="1">
-                <a:solidFill>
-                  <a:schemeClr val="tx1">
-                    <a:lumMod val="95000"/>
-                    <a:lumOff val="5000"/>
-                  </a:schemeClr>
-                </a:solidFill>
-                <a:ea typeface="Tahoma" panose="020B0604030504040204" pitchFamily="34" charset="0"/>
-                <a:cs typeface="Tahoma" panose="020B0604030504040204" pitchFamily="34" charset="0"/>
-              </a:rPr>
-              <a:t>JavaScript</a:t>
-            </a:r>
-            <a:r>
-              <a:rPr lang="pt-BR" altLang="pt-BR" sz="9600" dirty="0">
-                <a:solidFill>
-                  <a:schemeClr val="tx1">
-                    <a:lumMod val="95000"/>
-                    <a:lumOff val="5000"/>
-                  </a:schemeClr>
-                </a:solidFill>
-                <a:ea typeface="Tahoma" panose="020B0604030504040204" pitchFamily="34" charset="0"/>
-                <a:cs typeface="Tahoma" panose="020B0604030504040204" pitchFamily="34" charset="0"/>
-              </a:rPr>
-              <a:t>, com o suporte das bibliotecas </a:t>
-            </a:r>
-            <a:r>
-              <a:rPr lang="pt-BR" altLang="pt-BR" sz="9600" dirty="0" err="1">
-                <a:solidFill>
-                  <a:schemeClr val="tx1">
-                    <a:lumMod val="95000"/>
-                    <a:lumOff val="5000"/>
-                  </a:schemeClr>
-                </a:solidFill>
-                <a:ea typeface="Tahoma" panose="020B0604030504040204" pitchFamily="34" charset="0"/>
-                <a:cs typeface="Tahoma" panose="020B0604030504040204" pitchFamily="34" charset="0"/>
-              </a:rPr>
-              <a:t>Boxicons</a:t>
-            </a:r>
-            <a:r>
-              <a:rPr lang="pt-BR" altLang="pt-BR" sz="9600" dirty="0">
-                <a:solidFill>
-                  <a:schemeClr val="tx1">
-                    <a:lumMod val="95000"/>
-                    <a:lumOff val="5000"/>
-                  </a:schemeClr>
-                </a:solidFill>
-                <a:ea typeface="Tahoma" panose="020B0604030504040204" pitchFamily="34" charset="0"/>
-                <a:cs typeface="Tahoma" panose="020B0604030504040204" pitchFamily="34" charset="0"/>
-              </a:rPr>
-              <a:t>, e o layout do site será criado no </a:t>
-            </a:r>
-            <a:r>
-              <a:rPr lang="pt-BR" altLang="pt-BR" sz="9600" dirty="0" err="1">
-                <a:solidFill>
-                  <a:schemeClr val="tx1">
-                    <a:lumMod val="95000"/>
-                    <a:lumOff val="5000"/>
-                  </a:schemeClr>
-                </a:solidFill>
-                <a:ea typeface="Tahoma" panose="020B0604030504040204" pitchFamily="34" charset="0"/>
-                <a:cs typeface="Tahoma" panose="020B0604030504040204" pitchFamily="34" charset="0"/>
-              </a:rPr>
-              <a:t>Canvas</a:t>
-            </a:r>
-            <a:r>
-              <a:rPr lang="pt-BR" altLang="pt-BR" sz="9600" dirty="0">
-                <a:solidFill>
-                  <a:schemeClr val="tx1">
-                    <a:lumMod val="95000"/>
-                    <a:lumOff val="5000"/>
-                  </a:schemeClr>
-                </a:solidFill>
-                <a:ea typeface="Tahoma" panose="020B0604030504040204" pitchFamily="34" charset="0"/>
-                <a:cs typeface="Tahoma" panose="020B0604030504040204" pitchFamily="34" charset="0"/>
-              </a:rPr>
-              <a:t>, com base em uma pesquisa detalhada sobre o tema.</a:t>
-            </a:r>
-            <a:endParaRPr lang="pt-BR" b="1" dirty="0">
+                <a:cs typeface="Arial" panose="020B0604020202020204" pitchFamily="34" charset="0"/>
+              </a:rPr>
+              <a:t>O desenvolvimento ocorreu no Visual Studio Code, usando HTML, JSON, CSS e JavaScript, com o suporte das bibliotecas Boxicons, e a prévia do layout do site foi criado no Canvas, com base em uma pesquisa detalhada sobre o tema.</a:t>
+            </a:r>
+            <a:endParaRPr lang="pt-BR" sz="1100" b="1" dirty="0">
               <a:solidFill>
                 <a:srgbClr val="C00000"/>
               </a:solidFill>
+              <a:latin typeface="Arial" panose="020B0604020202020204" pitchFamily="34" charset="0"/>
+              <a:cs typeface="Arial" panose="020B0604020202020204" pitchFamily="34" charset="0"/>
             </a:endParaRPr>
           </a:p>
         </p:txBody>
@@ -2757,14 +3435,28 @@
           </a:xfrm>
         </p:spPr>
         <p:txBody>
-          <a:bodyPr/>
+          <a:bodyPr>
+            <a:normAutofit/>
+            <a:scene3d>
+              <a:camera prst="orthographicFront"/>
+              <a:lightRig rig="soft" dir="t">
+                <a:rot lat="0" lon="0" rev="15600000"/>
+              </a:lightRig>
+            </a:scene3d>
+            <a:sp3d extrusionH="57150" prstMaterial="softEdge">
+              <a:bevelT w="25400" h="38100"/>
+            </a:sp3d>
+          </a:bodyPr>
           <a:lstStyle/>
           <a:p>
             <a:r>
-              <a:rPr lang="pt-BR" b="1" dirty="0">
+              <a:rPr lang="pt-BR" sz="4000" b="1" dirty="0">
+                <a:ln/>
                 <a:solidFill>
                   <a:srgbClr val="C00000"/>
                 </a:solidFill>
+                <a:latin typeface="Arial" panose="020B0604020202020204" pitchFamily="34" charset="0"/>
+                <a:cs typeface="Arial" panose="020B0604020202020204" pitchFamily="34" charset="0"/>
               </a:rPr>
               <a:t>CONSIDERAÇÕES FINAIS</a:t>
             </a:r>
@@ -2787,8 +3479,8 @@
         </p:nvSpPr>
         <p:spPr>
           <a:xfrm>
-            <a:off x="475334" y="2492896"/>
-            <a:ext cx="8229600" cy="1143000"/>
+            <a:off x="432342" y="1700808"/>
+            <a:ext cx="8229600" cy="3737984"/>
           </a:xfrm>
           <a:prstGeom prst="rect">
             <a:avLst/>
@@ -2796,7 +3488,7 @@
         </p:spPr>
         <p:txBody>
           <a:bodyPr vert="horz" lIns="91440" tIns="45720" rIns="91440" bIns="45720" rtlCol="0" anchor="ctr">
-            <a:normAutofit fontScale="25000" lnSpcReduction="20000"/>
+            <a:noAutofit/>
           </a:bodyPr>
           <a:lstStyle>
             <a:lvl1pPr algn="ctr" defTabSz="914400" rtl="0" eaLnBrk="1" latinLnBrk="0" hangingPunct="1">
@@ -2819,1550 +3511,12 @@
               <a:defRPr/>
             </a:pPr>
             <a:r>
-              <a:rPr lang="pt-BR" altLang="pt-BR" sz="9600" dirty="0" err="1">
-                <a:solidFill>
-                  <a:schemeClr val="tx1">
-                    <a:lumMod val="95000"/>
-                    <a:lumOff val="5000"/>
-                  </a:schemeClr>
-                </a:solidFill>
-                <a:latin typeface="+mj-lt"/>
-                <a:ea typeface="Tahoma" panose="020B0604030504040204" pitchFamily="34" charset="0"/>
-                <a:cs typeface="Tahoma" panose="020B0604030504040204" pitchFamily="34" charset="0"/>
-              </a:rPr>
-              <a:t>Aenean</a:t>
-            </a:r>
-            <a:r>
-              <a:rPr lang="pt-BR" altLang="pt-BR" sz="9600" dirty="0">
-                <a:solidFill>
-                  <a:schemeClr val="tx1">
-                    <a:lumMod val="95000"/>
-                    <a:lumOff val="5000"/>
-                  </a:schemeClr>
-                </a:solidFill>
-                <a:latin typeface="+mj-lt"/>
-                <a:ea typeface="Tahoma" panose="020B0604030504040204" pitchFamily="34" charset="0"/>
-                <a:cs typeface="Tahoma" panose="020B0604030504040204" pitchFamily="34" charset="0"/>
-              </a:rPr>
-              <a:t> </a:t>
-            </a:r>
-            <a:r>
-              <a:rPr lang="pt-BR" altLang="pt-BR" sz="9600" dirty="0" err="1">
-                <a:solidFill>
-                  <a:schemeClr val="tx1">
-                    <a:lumMod val="95000"/>
-                    <a:lumOff val="5000"/>
-                  </a:schemeClr>
-                </a:solidFill>
-                <a:latin typeface="+mj-lt"/>
-                <a:ea typeface="Tahoma" panose="020B0604030504040204" pitchFamily="34" charset="0"/>
-                <a:cs typeface="Tahoma" panose="020B0604030504040204" pitchFamily="34" charset="0"/>
-              </a:rPr>
-              <a:t>placerat</a:t>
-            </a:r>
-            <a:r>
-              <a:rPr lang="pt-BR" altLang="pt-BR" sz="9600" dirty="0">
-                <a:solidFill>
-                  <a:schemeClr val="tx1">
-                    <a:lumMod val="95000"/>
-                    <a:lumOff val="5000"/>
-                  </a:schemeClr>
-                </a:solidFill>
-                <a:latin typeface="+mj-lt"/>
-                <a:ea typeface="Tahoma" panose="020B0604030504040204" pitchFamily="34" charset="0"/>
-                <a:cs typeface="Tahoma" panose="020B0604030504040204" pitchFamily="34" charset="0"/>
-              </a:rPr>
-              <a:t>. In </a:t>
-            </a:r>
-            <a:r>
-              <a:rPr lang="pt-BR" altLang="pt-BR" sz="9600" dirty="0" err="1">
-                <a:solidFill>
-                  <a:schemeClr val="tx1">
-                    <a:lumMod val="95000"/>
-                    <a:lumOff val="5000"/>
-                  </a:schemeClr>
-                </a:solidFill>
-                <a:latin typeface="+mj-lt"/>
-                <a:ea typeface="Tahoma" panose="020B0604030504040204" pitchFamily="34" charset="0"/>
-                <a:cs typeface="Tahoma" panose="020B0604030504040204" pitchFamily="34" charset="0"/>
-              </a:rPr>
-              <a:t>vulputate</a:t>
-            </a:r>
-            <a:r>
-              <a:rPr lang="pt-BR" altLang="pt-BR" sz="9600" dirty="0">
-                <a:solidFill>
-                  <a:schemeClr val="tx1">
-                    <a:lumMod val="95000"/>
-                    <a:lumOff val="5000"/>
-                  </a:schemeClr>
-                </a:solidFill>
-                <a:latin typeface="+mj-lt"/>
-                <a:ea typeface="Tahoma" panose="020B0604030504040204" pitchFamily="34" charset="0"/>
-                <a:cs typeface="Tahoma" panose="020B0604030504040204" pitchFamily="34" charset="0"/>
-              </a:rPr>
-              <a:t> urna eu </a:t>
-            </a:r>
-            <a:r>
-              <a:rPr lang="pt-BR" altLang="pt-BR" sz="9600" dirty="0" err="1">
-                <a:solidFill>
-                  <a:schemeClr val="tx1">
-                    <a:lumMod val="95000"/>
-                    <a:lumOff val="5000"/>
-                  </a:schemeClr>
-                </a:solidFill>
-                <a:latin typeface="+mj-lt"/>
-                <a:ea typeface="Tahoma" panose="020B0604030504040204" pitchFamily="34" charset="0"/>
-                <a:cs typeface="Tahoma" panose="020B0604030504040204" pitchFamily="34" charset="0"/>
-              </a:rPr>
-              <a:t>arcu</a:t>
-            </a:r>
-            <a:r>
-              <a:rPr lang="pt-BR" altLang="pt-BR" sz="9600" dirty="0">
-                <a:solidFill>
-                  <a:schemeClr val="tx1">
-                    <a:lumMod val="95000"/>
-                    <a:lumOff val="5000"/>
-                  </a:schemeClr>
-                </a:solidFill>
-                <a:latin typeface="+mj-lt"/>
-                <a:ea typeface="Tahoma" panose="020B0604030504040204" pitchFamily="34" charset="0"/>
-                <a:cs typeface="Tahoma" panose="020B0604030504040204" pitchFamily="34" charset="0"/>
-              </a:rPr>
-              <a:t>. </a:t>
-            </a:r>
-            <a:r>
-              <a:rPr lang="pt-BR" altLang="pt-BR" sz="9600" dirty="0" err="1">
-                <a:solidFill>
-                  <a:schemeClr val="tx1">
-                    <a:lumMod val="95000"/>
-                    <a:lumOff val="5000"/>
-                  </a:schemeClr>
-                </a:solidFill>
-                <a:latin typeface="+mj-lt"/>
-                <a:ea typeface="Tahoma" panose="020B0604030504040204" pitchFamily="34" charset="0"/>
-                <a:cs typeface="Tahoma" panose="020B0604030504040204" pitchFamily="34" charset="0"/>
-              </a:rPr>
-              <a:t>Aliquam</a:t>
-            </a:r>
-            <a:r>
-              <a:rPr lang="pt-BR" altLang="pt-BR" sz="9600" dirty="0">
-                <a:solidFill>
-                  <a:schemeClr val="tx1">
-                    <a:lumMod val="95000"/>
-                    <a:lumOff val="5000"/>
-                  </a:schemeClr>
-                </a:solidFill>
-                <a:latin typeface="+mj-lt"/>
-                <a:ea typeface="Tahoma" panose="020B0604030504040204" pitchFamily="34" charset="0"/>
-                <a:cs typeface="Tahoma" panose="020B0604030504040204" pitchFamily="34" charset="0"/>
-              </a:rPr>
-              <a:t> erat </a:t>
-            </a:r>
-            <a:r>
-              <a:rPr lang="pt-BR" altLang="pt-BR" sz="9600" dirty="0" err="1">
-                <a:solidFill>
-                  <a:schemeClr val="tx1">
-                    <a:lumMod val="95000"/>
-                    <a:lumOff val="5000"/>
-                  </a:schemeClr>
-                </a:solidFill>
-                <a:latin typeface="+mj-lt"/>
-                <a:ea typeface="Tahoma" panose="020B0604030504040204" pitchFamily="34" charset="0"/>
-                <a:cs typeface="Tahoma" panose="020B0604030504040204" pitchFamily="34" charset="0"/>
-              </a:rPr>
-              <a:t>volutpat</a:t>
-            </a:r>
-            <a:r>
-              <a:rPr lang="pt-BR" altLang="pt-BR" sz="9600" dirty="0">
-                <a:solidFill>
-                  <a:schemeClr val="tx1">
-                    <a:lumMod val="95000"/>
-                    <a:lumOff val="5000"/>
-                  </a:schemeClr>
-                </a:solidFill>
-                <a:latin typeface="+mj-lt"/>
-                <a:ea typeface="Tahoma" panose="020B0604030504040204" pitchFamily="34" charset="0"/>
-                <a:cs typeface="Tahoma" panose="020B0604030504040204" pitchFamily="34" charset="0"/>
-              </a:rPr>
-              <a:t>. </a:t>
-            </a:r>
-            <a:r>
-              <a:rPr lang="pt-BR" altLang="pt-BR" sz="9600" dirty="0" err="1">
-                <a:solidFill>
-                  <a:schemeClr val="tx1">
-                    <a:lumMod val="95000"/>
-                    <a:lumOff val="5000"/>
-                  </a:schemeClr>
-                </a:solidFill>
-                <a:latin typeface="+mj-lt"/>
-                <a:ea typeface="Tahoma" panose="020B0604030504040204" pitchFamily="34" charset="0"/>
-                <a:cs typeface="Tahoma" panose="020B0604030504040204" pitchFamily="34" charset="0"/>
-              </a:rPr>
-              <a:t>Suspendisse</a:t>
-            </a:r>
-            <a:r>
-              <a:rPr lang="pt-BR" altLang="pt-BR" sz="9600" dirty="0">
-                <a:solidFill>
-                  <a:schemeClr val="tx1">
-                    <a:lumMod val="95000"/>
-                    <a:lumOff val="5000"/>
-                  </a:schemeClr>
-                </a:solidFill>
-                <a:latin typeface="+mj-lt"/>
-                <a:ea typeface="Tahoma" panose="020B0604030504040204" pitchFamily="34" charset="0"/>
-                <a:cs typeface="Tahoma" panose="020B0604030504040204" pitchFamily="34" charset="0"/>
-              </a:rPr>
-              <a:t> </a:t>
-            </a:r>
-            <a:r>
-              <a:rPr lang="pt-BR" altLang="pt-BR" sz="9600" dirty="0" err="1">
-                <a:solidFill>
-                  <a:schemeClr val="tx1">
-                    <a:lumMod val="95000"/>
-                    <a:lumOff val="5000"/>
-                  </a:schemeClr>
-                </a:solidFill>
-                <a:latin typeface="+mj-lt"/>
-                <a:ea typeface="Tahoma" panose="020B0604030504040204" pitchFamily="34" charset="0"/>
-                <a:cs typeface="Tahoma" panose="020B0604030504040204" pitchFamily="34" charset="0"/>
-              </a:rPr>
-              <a:t>potenti</a:t>
-            </a:r>
-            <a:r>
-              <a:rPr lang="pt-BR" altLang="pt-BR" sz="9600" dirty="0">
-                <a:solidFill>
-                  <a:schemeClr val="tx1">
-                    <a:lumMod val="95000"/>
-                    <a:lumOff val="5000"/>
-                  </a:schemeClr>
-                </a:solidFill>
-                <a:latin typeface="+mj-lt"/>
-                <a:ea typeface="Tahoma" panose="020B0604030504040204" pitchFamily="34" charset="0"/>
-                <a:cs typeface="Tahoma" panose="020B0604030504040204" pitchFamily="34" charset="0"/>
-              </a:rPr>
-              <a:t>. </a:t>
-            </a:r>
-            <a:r>
-              <a:rPr lang="pt-BR" altLang="pt-BR" sz="9600" dirty="0" err="1">
-                <a:solidFill>
-                  <a:schemeClr val="tx1">
-                    <a:lumMod val="95000"/>
-                    <a:lumOff val="5000"/>
-                  </a:schemeClr>
-                </a:solidFill>
-                <a:latin typeface="+mj-lt"/>
-                <a:ea typeface="Tahoma" panose="020B0604030504040204" pitchFamily="34" charset="0"/>
-                <a:cs typeface="Tahoma" panose="020B0604030504040204" pitchFamily="34" charset="0"/>
-              </a:rPr>
-              <a:t>Morbi</a:t>
-            </a:r>
-            <a:r>
-              <a:rPr lang="pt-BR" altLang="pt-BR" sz="9600" dirty="0">
-                <a:solidFill>
-                  <a:schemeClr val="tx1">
-                    <a:lumMod val="95000"/>
-                    <a:lumOff val="5000"/>
-                  </a:schemeClr>
-                </a:solidFill>
-                <a:latin typeface="+mj-lt"/>
-                <a:ea typeface="Tahoma" panose="020B0604030504040204" pitchFamily="34" charset="0"/>
-                <a:cs typeface="Tahoma" panose="020B0604030504040204" pitchFamily="34" charset="0"/>
-              </a:rPr>
-              <a:t> </a:t>
-            </a:r>
-            <a:r>
-              <a:rPr lang="pt-BR" altLang="pt-BR" sz="9600" dirty="0" err="1">
-                <a:solidFill>
-                  <a:schemeClr val="tx1">
-                    <a:lumMod val="95000"/>
-                    <a:lumOff val="5000"/>
-                  </a:schemeClr>
-                </a:solidFill>
-                <a:latin typeface="+mj-lt"/>
-                <a:ea typeface="Tahoma" panose="020B0604030504040204" pitchFamily="34" charset="0"/>
-                <a:cs typeface="Tahoma" panose="020B0604030504040204" pitchFamily="34" charset="0"/>
-              </a:rPr>
-              <a:t>mattis</a:t>
-            </a:r>
-            <a:r>
-              <a:rPr lang="pt-BR" altLang="pt-BR" sz="9600" dirty="0">
-                <a:solidFill>
-                  <a:schemeClr val="tx1">
-                    <a:lumMod val="95000"/>
-                    <a:lumOff val="5000"/>
-                  </a:schemeClr>
-                </a:solidFill>
-                <a:latin typeface="+mj-lt"/>
-                <a:ea typeface="Tahoma" panose="020B0604030504040204" pitchFamily="34" charset="0"/>
-                <a:cs typeface="Tahoma" panose="020B0604030504040204" pitchFamily="34" charset="0"/>
-              </a:rPr>
-              <a:t> </a:t>
-            </a:r>
-            <a:r>
-              <a:rPr lang="pt-BR" altLang="pt-BR" sz="9600" dirty="0" err="1">
-                <a:solidFill>
-                  <a:schemeClr val="tx1">
-                    <a:lumMod val="95000"/>
-                    <a:lumOff val="5000"/>
-                  </a:schemeClr>
-                </a:solidFill>
-                <a:latin typeface="+mj-lt"/>
-                <a:ea typeface="Tahoma" panose="020B0604030504040204" pitchFamily="34" charset="0"/>
-                <a:cs typeface="Tahoma" panose="020B0604030504040204" pitchFamily="34" charset="0"/>
-              </a:rPr>
-              <a:t>felis</a:t>
-            </a:r>
-            <a:r>
-              <a:rPr lang="pt-BR" altLang="pt-BR" sz="9600" dirty="0">
-                <a:solidFill>
-                  <a:schemeClr val="tx1">
-                    <a:lumMod val="95000"/>
-                    <a:lumOff val="5000"/>
-                  </a:schemeClr>
-                </a:solidFill>
-                <a:latin typeface="+mj-lt"/>
-                <a:ea typeface="Tahoma" panose="020B0604030504040204" pitchFamily="34" charset="0"/>
-                <a:cs typeface="Tahoma" panose="020B0604030504040204" pitchFamily="34" charset="0"/>
-              </a:rPr>
-              <a:t> </a:t>
-            </a:r>
-            <a:r>
-              <a:rPr lang="pt-BR" altLang="pt-BR" sz="9600" dirty="0" err="1">
-                <a:solidFill>
-                  <a:schemeClr val="tx1">
-                    <a:lumMod val="95000"/>
-                    <a:lumOff val="5000"/>
-                  </a:schemeClr>
-                </a:solidFill>
-                <a:latin typeface="+mj-lt"/>
-                <a:ea typeface="Tahoma" panose="020B0604030504040204" pitchFamily="34" charset="0"/>
-                <a:cs typeface="Tahoma" panose="020B0604030504040204" pitchFamily="34" charset="0"/>
-              </a:rPr>
-              <a:t>at</a:t>
-            </a:r>
-            <a:r>
-              <a:rPr lang="pt-BR" altLang="pt-BR" sz="9600" dirty="0">
-                <a:solidFill>
-                  <a:schemeClr val="tx1">
-                    <a:lumMod val="95000"/>
-                    <a:lumOff val="5000"/>
-                  </a:schemeClr>
-                </a:solidFill>
-                <a:latin typeface="+mj-lt"/>
-                <a:ea typeface="Tahoma" panose="020B0604030504040204" pitchFamily="34" charset="0"/>
-                <a:cs typeface="Tahoma" panose="020B0604030504040204" pitchFamily="34" charset="0"/>
-              </a:rPr>
-              <a:t> nunc. </a:t>
-            </a:r>
-            <a:r>
-              <a:rPr lang="pt-BR" altLang="pt-BR" sz="9600" dirty="0" err="1">
-                <a:solidFill>
-                  <a:schemeClr val="tx1">
-                    <a:lumMod val="95000"/>
-                    <a:lumOff val="5000"/>
-                  </a:schemeClr>
-                </a:solidFill>
-                <a:latin typeface="+mj-lt"/>
-                <a:ea typeface="Tahoma" panose="020B0604030504040204" pitchFamily="34" charset="0"/>
-                <a:cs typeface="Tahoma" panose="020B0604030504040204" pitchFamily="34" charset="0"/>
-              </a:rPr>
-              <a:t>Duis</a:t>
-            </a:r>
-            <a:r>
-              <a:rPr lang="pt-BR" altLang="pt-BR" sz="9600" dirty="0">
-                <a:solidFill>
-                  <a:schemeClr val="tx1">
-                    <a:lumMod val="95000"/>
-                    <a:lumOff val="5000"/>
-                  </a:schemeClr>
-                </a:solidFill>
-                <a:latin typeface="+mj-lt"/>
-                <a:ea typeface="Tahoma" panose="020B0604030504040204" pitchFamily="34" charset="0"/>
-                <a:cs typeface="Tahoma" panose="020B0604030504040204" pitchFamily="34" charset="0"/>
-              </a:rPr>
-              <a:t> </a:t>
-            </a:r>
-            <a:r>
-              <a:rPr lang="pt-BR" altLang="pt-BR" sz="9600" dirty="0" err="1">
-                <a:solidFill>
-                  <a:schemeClr val="tx1">
-                    <a:lumMod val="95000"/>
-                    <a:lumOff val="5000"/>
-                  </a:schemeClr>
-                </a:solidFill>
-                <a:latin typeface="+mj-lt"/>
-                <a:ea typeface="Tahoma" panose="020B0604030504040204" pitchFamily="34" charset="0"/>
-                <a:cs typeface="Tahoma" panose="020B0604030504040204" pitchFamily="34" charset="0"/>
-              </a:rPr>
-              <a:t>viverra</a:t>
-            </a:r>
-            <a:r>
-              <a:rPr lang="pt-BR" altLang="pt-BR" sz="9600" dirty="0">
-                <a:solidFill>
-                  <a:schemeClr val="tx1">
-                    <a:lumMod val="95000"/>
-                    <a:lumOff val="5000"/>
-                  </a:schemeClr>
-                </a:solidFill>
-                <a:latin typeface="+mj-lt"/>
-                <a:ea typeface="Tahoma" panose="020B0604030504040204" pitchFamily="34" charset="0"/>
-                <a:cs typeface="Tahoma" panose="020B0604030504040204" pitchFamily="34" charset="0"/>
-              </a:rPr>
-              <a:t> </a:t>
-            </a:r>
-            <a:r>
-              <a:rPr lang="pt-BR" altLang="pt-BR" sz="9600" dirty="0" err="1">
-                <a:solidFill>
-                  <a:schemeClr val="tx1">
-                    <a:lumMod val="95000"/>
-                    <a:lumOff val="5000"/>
-                  </a:schemeClr>
-                </a:solidFill>
-                <a:latin typeface="+mj-lt"/>
-                <a:ea typeface="Tahoma" panose="020B0604030504040204" pitchFamily="34" charset="0"/>
-                <a:cs typeface="Tahoma" panose="020B0604030504040204" pitchFamily="34" charset="0"/>
-              </a:rPr>
-              <a:t>diam</a:t>
-            </a:r>
-            <a:r>
-              <a:rPr lang="pt-BR" altLang="pt-BR" sz="9600" dirty="0">
-                <a:solidFill>
-                  <a:schemeClr val="tx1">
-                    <a:lumMod val="95000"/>
-                    <a:lumOff val="5000"/>
-                  </a:schemeClr>
-                </a:solidFill>
-                <a:latin typeface="+mj-lt"/>
-                <a:ea typeface="Tahoma" panose="020B0604030504040204" pitchFamily="34" charset="0"/>
-                <a:cs typeface="Tahoma" panose="020B0604030504040204" pitchFamily="34" charset="0"/>
-              </a:rPr>
-              <a:t> non justo. In </a:t>
-            </a:r>
-            <a:r>
-              <a:rPr lang="pt-BR" altLang="pt-BR" sz="9600" dirty="0" err="1">
-                <a:solidFill>
-                  <a:schemeClr val="tx1">
-                    <a:lumMod val="95000"/>
-                    <a:lumOff val="5000"/>
-                  </a:schemeClr>
-                </a:solidFill>
-                <a:latin typeface="+mj-lt"/>
-                <a:ea typeface="Tahoma" panose="020B0604030504040204" pitchFamily="34" charset="0"/>
-                <a:cs typeface="Tahoma" panose="020B0604030504040204" pitchFamily="34" charset="0"/>
-              </a:rPr>
-              <a:t>nisl</a:t>
-            </a:r>
-            <a:r>
-              <a:rPr lang="pt-BR" altLang="pt-BR" sz="9600" dirty="0">
-                <a:solidFill>
-                  <a:schemeClr val="tx1">
-                    <a:lumMod val="95000"/>
-                    <a:lumOff val="5000"/>
-                  </a:schemeClr>
-                </a:solidFill>
-                <a:latin typeface="+mj-lt"/>
-                <a:ea typeface="Tahoma" panose="020B0604030504040204" pitchFamily="34" charset="0"/>
-                <a:cs typeface="Tahoma" panose="020B0604030504040204" pitchFamily="34" charset="0"/>
-              </a:rPr>
-              <a:t>. </a:t>
-            </a:r>
-            <a:r>
-              <a:rPr lang="pt-BR" altLang="pt-BR" sz="9600" dirty="0" err="1">
-                <a:solidFill>
-                  <a:schemeClr val="tx1">
-                    <a:lumMod val="95000"/>
-                    <a:lumOff val="5000"/>
-                  </a:schemeClr>
-                </a:solidFill>
-                <a:latin typeface="+mj-lt"/>
-                <a:ea typeface="Tahoma" panose="020B0604030504040204" pitchFamily="34" charset="0"/>
-                <a:cs typeface="Tahoma" panose="020B0604030504040204" pitchFamily="34" charset="0"/>
-              </a:rPr>
-              <a:t>Nullam</a:t>
-            </a:r>
-            <a:r>
-              <a:rPr lang="pt-BR" altLang="pt-BR" sz="9600" dirty="0">
-                <a:solidFill>
-                  <a:schemeClr val="tx1">
-                    <a:lumMod val="95000"/>
-                    <a:lumOff val="5000"/>
-                  </a:schemeClr>
-                </a:solidFill>
-                <a:latin typeface="+mj-lt"/>
-                <a:ea typeface="Tahoma" panose="020B0604030504040204" pitchFamily="34" charset="0"/>
-                <a:cs typeface="Tahoma" panose="020B0604030504040204" pitchFamily="34" charset="0"/>
-              </a:rPr>
-              <a:t> </a:t>
-            </a:r>
-            <a:r>
-              <a:rPr lang="pt-BR" altLang="pt-BR" sz="9600" dirty="0" err="1">
-                <a:solidFill>
-                  <a:schemeClr val="tx1">
-                    <a:lumMod val="95000"/>
-                    <a:lumOff val="5000"/>
-                  </a:schemeClr>
-                </a:solidFill>
-                <a:latin typeface="+mj-lt"/>
-                <a:ea typeface="Tahoma" panose="020B0604030504040204" pitchFamily="34" charset="0"/>
-                <a:cs typeface="Tahoma" panose="020B0604030504040204" pitchFamily="34" charset="0"/>
-              </a:rPr>
-              <a:t>sit</a:t>
-            </a:r>
-            <a:r>
-              <a:rPr lang="pt-BR" altLang="pt-BR" sz="9600" dirty="0">
-                <a:solidFill>
-                  <a:schemeClr val="tx1">
-                    <a:lumMod val="95000"/>
-                    <a:lumOff val="5000"/>
-                  </a:schemeClr>
-                </a:solidFill>
-                <a:latin typeface="+mj-lt"/>
-                <a:ea typeface="Tahoma" panose="020B0604030504040204" pitchFamily="34" charset="0"/>
-                <a:cs typeface="Tahoma" panose="020B0604030504040204" pitchFamily="34" charset="0"/>
-              </a:rPr>
-              <a:t> </a:t>
-            </a:r>
-            <a:r>
-              <a:rPr lang="pt-BR" altLang="pt-BR" sz="9600" dirty="0" err="1">
-                <a:solidFill>
-                  <a:schemeClr val="tx1">
-                    <a:lumMod val="95000"/>
-                    <a:lumOff val="5000"/>
-                  </a:schemeClr>
-                </a:solidFill>
-                <a:latin typeface="+mj-lt"/>
-                <a:ea typeface="Tahoma" panose="020B0604030504040204" pitchFamily="34" charset="0"/>
-                <a:cs typeface="Tahoma" panose="020B0604030504040204" pitchFamily="34" charset="0"/>
-              </a:rPr>
-              <a:t>amet</a:t>
-            </a:r>
-            <a:r>
-              <a:rPr lang="pt-BR" altLang="pt-BR" sz="9600" dirty="0">
-                <a:solidFill>
-                  <a:schemeClr val="tx1">
-                    <a:lumMod val="95000"/>
-                    <a:lumOff val="5000"/>
-                  </a:schemeClr>
-                </a:solidFill>
-                <a:latin typeface="+mj-lt"/>
-                <a:ea typeface="Tahoma" panose="020B0604030504040204" pitchFamily="34" charset="0"/>
-                <a:cs typeface="Tahoma" panose="020B0604030504040204" pitchFamily="34" charset="0"/>
-              </a:rPr>
-              <a:t> magna in magna gravida </a:t>
-            </a:r>
-            <a:r>
-              <a:rPr lang="pt-BR" altLang="pt-BR" sz="9600" dirty="0" err="1">
-                <a:solidFill>
-                  <a:schemeClr val="tx1">
-                    <a:lumMod val="95000"/>
-                    <a:lumOff val="5000"/>
-                  </a:schemeClr>
-                </a:solidFill>
-                <a:latin typeface="+mj-lt"/>
-                <a:ea typeface="Tahoma" panose="020B0604030504040204" pitchFamily="34" charset="0"/>
-                <a:cs typeface="Tahoma" panose="020B0604030504040204" pitchFamily="34" charset="0"/>
-              </a:rPr>
-              <a:t>vehicula</a:t>
-            </a:r>
-            <a:r>
-              <a:rPr lang="pt-BR" altLang="pt-BR" sz="9600" dirty="0">
-                <a:solidFill>
-                  <a:schemeClr val="tx1">
-                    <a:lumMod val="95000"/>
-                    <a:lumOff val="5000"/>
-                  </a:schemeClr>
-                </a:solidFill>
-                <a:latin typeface="+mj-lt"/>
-                <a:ea typeface="Tahoma" panose="020B0604030504040204" pitchFamily="34" charset="0"/>
-                <a:cs typeface="Tahoma" panose="020B0604030504040204" pitchFamily="34" charset="0"/>
-              </a:rPr>
-              <a:t>. </a:t>
-            </a:r>
-            <a:r>
-              <a:rPr lang="pt-BR" altLang="pt-BR" sz="9600" dirty="0" err="1">
-                <a:solidFill>
-                  <a:schemeClr val="tx1">
-                    <a:lumMod val="95000"/>
-                    <a:lumOff val="5000"/>
-                  </a:schemeClr>
-                </a:solidFill>
-                <a:latin typeface="+mj-lt"/>
-                <a:ea typeface="Tahoma" panose="020B0604030504040204" pitchFamily="34" charset="0"/>
-                <a:cs typeface="Tahoma" panose="020B0604030504040204" pitchFamily="34" charset="0"/>
-              </a:rPr>
-              <a:t>Mauris</a:t>
-            </a:r>
-            <a:r>
-              <a:rPr lang="pt-BR" altLang="pt-BR" sz="9600" dirty="0">
-                <a:solidFill>
-                  <a:schemeClr val="tx1">
-                    <a:lumMod val="95000"/>
-                    <a:lumOff val="5000"/>
-                  </a:schemeClr>
-                </a:solidFill>
-                <a:latin typeface="+mj-lt"/>
-                <a:ea typeface="Tahoma" panose="020B0604030504040204" pitchFamily="34" charset="0"/>
-                <a:cs typeface="Tahoma" panose="020B0604030504040204" pitchFamily="34" charset="0"/>
-              </a:rPr>
-              <a:t> </a:t>
-            </a:r>
-            <a:r>
-              <a:rPr lang="pt-BR" altLang="pt-BR" sz="9600" dirty="0" err="1">
-                <a:solidFill>
-                  <a:schemeClr val="tx1">
-                    <a:lumMod val="95000"/>
-                    <a:lumOff val="5000"/>
-                  </a:schemeClr>
-                </a:solidFill>
-                <a:latin typeface="+mj-lt"/>
-                <a:ea typeface="Tahoma" panose="020B0604030504040204" pitchFamily="34" charset="0"/>
-                <a:cs typeface="Tahoma" panose="020B0604030504040204" pitchFamily="34" charset="0"/>
-              </a:rPr>
-              <a:t>tincidunt</a:t>
-            </a:r>
-            <a:r>
-              <a:rPr lang="pt-BR" altLang="pt-BR" sz="9600" dirty="0">
-                <a:solidFill>
-                  <a:schemeClr val="tx1">
-                    <a:lumMod val="95000"/>
-                    <a:lumOff val="5000"/>
-                  </a:schemeClr>
-                </a:solidFill>
-                <a:latin typeface="+mj-lt"/>
-                <a:ea typeface="Tahoma" panose="020B0604030504040204" pitchFamily="34" charset="0"/>
-                <a:cs typeface="Tahoma" panose="020B0604030504040204" pitchFamily="34" charset="0"/>
-              </a:rPr>
-              <a:t> sem </a:t>
-            </a:r>
-            <a:r>
-              <a:rPr lang="pt-BR" altLang="pt-BR" sz="9600" dirty="0" err="1">
-                <a:solidFill>
-                  <a:schemeClr val="tx1">
-                    <a:lumMod val="95000"/>
-                    <a:lumOff val="5000"/>
-                  </a:schemeClr>
-                </a:solidFill>
-                <a:latin typeface="+mj-lt"/>
-                <a:ea typeface="Tahoma" panose="020B0604030504040204" pitchFamily="34" charset="0"/>
-                <a:cs typeface="Tahoma" panose="020B0604030504040204" pitchFamily="34" charset="0"/>
-              </a:rPr>
-              <a:t>sed</a:t>
-            </a:r>
-            <a:r>
-              <a:rPr lang="pt-BR" altLang="pt-BR" sz="9600" dirty="0">
-                <a:solidFill>
-                  <a:schemeClr val="tx1">
-                    <a:lumMod val="95000"/>
-                    <a:lumOff val="5000"/>
-                  </a:schemeClr>
-                </a:solidFill>
-                <a:latin typeface="+mj-lt"/>
-                <a:ea typeface="Tahoma" panose="020B0604030504040204" pitchFamily="34" charset="0"/>
-                <a:cs typeface="Tahoma" panose="020B0604030504040204" pitchFamily="34" charset="0"/>
-              </a:rPr>
-              <a:t> </a:t>
-            </a:r>
-            <a:r>
-              <a:rPr lang="pt-BR" altLang="pt-BR" sz="9600" dirty="0" err="1">
-                <a:solidFill>
-                  <a:schemeClr val="tx1">
-                    <a:lumMod val="95000"/>
-                    <a:lumOff val="5000"/>
-                  </a:schemeClr>
-                </a:solidFill>
-                <a:latin typeface="+mj-lt"/>
-                <a:ea typeface="Tahoma" panose="020B0604030504040204" pitchFamily="34" charset="0"/>
-                <a:cs typeface="Tahoma" panose="020B0604030504040204" pitchFamily="34" charset="0"/>
-              </a:rPr>
-              <a:t>arcu</a:t>
-            </a:r>
-            <a:r>
-              <a:rPr lang="pt-BR" altLang="pt-BR" sz="9600" dirty="0">
-                <a:solidFill>
-                  <a:schemeClr val="tx1">
-                    <a:lumMod val="95000"/>
-                    <a:lumOff val="5000"/>
-                  </a:schemeClr>
-                </a:solidFill>
-                <a:latin typeface="+mj-lt"/>
-                <a:ea typeface="Tahoma" panose="020B0604030504040204" pitchFamily="34" charset="0"/>
-                <a:cs typeface="Tahoma" panose="020B0604030504040204" pitchFamily="34" charset="0"/>
-              </a:rPr>
-              <a:t>. Nunc </a:t>
-            </a:r>
-            <a:r>
-              <a:rPr lang="pt-BR" altLang="pt-BR" sz="9600" dirty="0" err="1">
-                <a:solidFill>
-                  <a:schemeClr val="tx1">
-                    <a:lumMod val="95000"/>
-                    <a:lumOff val="5000"/>
-                  </a:schemeClr>
-                </a:solidFill>
-                <a:latin typeface="+mj-lt"/>
-                <a:ea typeface="Tahoma" panose="020B0604030504040204" pitchFamily="34" charset="0"/>
-                <a:cs typeface="Tahoma" panose="020B0604030504040204" pitchFamily="34" charset="0"/>
-              </a:rPr>
-              <a:t>posuere</a:t>
-            </a:r>
-            <a:r>
-              <a:rPr lang="pt-BR" altLang="pt-BR" sz="9600" dirty="0">
-                <a:solidFill>
-                  <a:schemeClr val="tx1">
-                    <a:lumMod val="95000"/>
-                    <a:lumOff val="5000"/>
-                  </a:schemeClr>
-                </a:solidFill>
-                <a:latin typeface="+mj-lt"/>
-                <a:ea typeface="Tahoma" panose="020B0604030504040204" pitchFamily="34" charset="0"/>
-                <a:cs typeface="Tahoma" panose="020B0604030504040204" pitchFamily="34" charset="0"/>
-              </a:rPr>
-              <a:t>. </a:t>
-            </a:r>
-            <a:r>
-              <a:rPr lang="pt-BR" altLang="pt-BR" sz="9600" dirty="0" err="1">
-                <a:solidFill>
-                  <a:schemeClr val="tx1">
-                    <a:lumMod val="95000"/>
-                    <a:lumOff val="5000"/>
-                  </a:schemeClr>
-                </a:solidFill>
-                <a:latin typeface="+mj-lt"/>
-                <a:ea typeface="Tahoma" panose="020B0604030504040204" pitchFamily="34" charset="0"/>
-                <a:cs typeface="Tahoma" panose="020B0604030504040204" pitchFamily="34" charset="0"/>
-              </a:rPr>
-              <a:t>Nullam</a:t>
-            </a:r>
-            <a:r>
-              <a:rPr lang="pt-BR" altLang="pt-BR" sz="9600" dirty="0">
-                <a:solidFill>
-                  <a:schemeClr val="tx1">
-                    <a:lumMod val="95000"/>
-                    <a:lumOff val="5000"/>
-                  </a:schemeClr>
-                </a:solidFill>
-                <a:latin typeface="+mj-lt"/>
-                <a:ea typeface="Tahoma" panose="020B0604030504040204" pitchFamily="34" charset="0"/>
-                <a:cs typeface="Tahoma" panose="020B0604030504040204" pitchFamily="34" charset="0"/>
-              </a:rPr>
-              <a:t> </a:t>
-            </a:r>
-            <a:r>
-              <a:rPr lang="pt-BR" altLang="pt-BR" sz="9600" dirty="0" err="1">
-                <a:solidFill>
-                  <a:schemeClr val="tx1">
-                    <a:lumMod val="95000"/>
-                    <a:lumOff val="5000"/>
-                  </a:schemeClr>
-                </a:solidFill>
-                <a:latin typeface="+mj-lt"/>
-                <a:ea typeface="Tahoma" panose="020B0604030504040204" pitchFamily="34" charset="0"/>
-                <a:cs typeface="Tahoma" panose="020B0604030504040204" pitchFamily="34" charset="0"/>
-              </a:rPr>
-              <a:t>lectus</a:t>
-            </a:r>
-            <a:r>
-              <a:rPr lang="pt-BR" altLang="pt-BR" sz="9600" dirty="0">
-                <a:solidFill>
-                  <a:schemeClr val="tx1">
-                    <a:lumMod val="95000"/>
-                    <a:lumOff val="5000"/>
-                  </a:schemeClr>
-                </a:solidFill>
-                <a:latin typeface="+mj-lt"/>
-                <a:ea typeface="Tahoma" panose="020B0604030504040204" pitchFamily="34" charset="0"/>
-                <a:cs typeface="Tahoma" panose="020B0604030504040204" pitchFamily="34" charset="0"/>
-              </a:rPr>
-              <a:t> justo, </a:t>
-            </a:r>
-            <a:r>
-              <a:rPr lang="pt-BR" altLang="pt-BR" sz="9600" dirty="0" err="1">
-                <a:solidFill>
-                  <a:schemeClr val="tx1">
-                    <a:lumMod val="95000"/>
-                    <a:lumOff val="5000"/>
-                  </a:schemeClr>
-                </a:solidFill>
-                <a:latin typeface="+mj-lt"/>
-                <a:ea typeface="Tahoma" panose="020B0604030504040204" pitchFamily="34" charset="0"/>
-                <a:cs typeface="Tahoma" panose="020B0604030504040204" pitchFamily="34" charset="0"/>
-              </a:rPr>
-              <a:t>vulputate</a:t>
-            </a:r>
-            <a:r>
-              <a:rPr lang="pt-BR" altLang="pt-BR" sz="9600" dirty="0">
-                <a:solidFill>
-                  <a:schemeClr val="tx1">
-                    <a:lumMod val="95000"/>
-                    <a:lumOff val="5000"/>
-                  </a:schemeClr>
-                </a:solidFill>
-                <a:latin typeface="+mj-lt"/>
-                <a:ea typeface="Tahoma" panose="020B0604030504040204" pitchFamily="34" charset="0"/>
-                <a:cs typeface="Tahoma" panose="020B0604030504040204" pitchFamily="34" charset="0"/>
-              </a:rPr>
-              <a:t> </a:t>
-            </a:r>
-            <a:r>
-              <a:rPr lang="pt-BR" altLang="pt-BR" sz="9600" dirty="0" err="1">
-                <a:solidFill>
-                  <a:schemeClr val="tx1">
-                    <a:lumMod val="95000"/>
-                    <a:lumOff val="5000"/>
-                  </a:schemeClr>
-                </a:solidFill>
-                <a:latin typeface="+mj-lt"/>
-                <a:ea typeface="Tahoma" panose="020B0604030504040204" pitchFamily="34" charset="0"/>
-                <a:cs typeface="Tahoma" panose="020B0604030504040204" pitchFamily="34" charset="0"/>
-              </a:rPr>
-              <a:t>eget</a:t>
-            </a:r>
-            <a:r>
-              <a:rPr lang="pt-BR" altLang="pt-BR" sz="9600" dirty="0">
-                <a:solidFill>
-                  <a:schemeClr val="tx1">
-                    <a:lumMod val="95000"/>
-                    <a:lumOff val="5000"/>
-                  </a:schemeClr>
-                </a:solidFill>
-                <a:latin typeface="+mj-lt"/>
-                <a:ea typeface="Tahoma" panose="020B0604030504040204" pitchFamily="34" charset="0"/>
-                <a:cs typeface="Tahoma" panose="020B0604030504040204" pitchFamily="34" charset="0"/>
-              </a:rPr>
-              <a:t>, </a:t>
-            </a:r>
-            <a:r>
-              <a:rPr lang="pt-BR" altLang="pt-BR" sz="9600" dirty="0" err="1">
-                <a:solidFill>
-                  <a:schemeClr val="tx1">
-                    <a:lumMod val="95000"/>
-                    <a:lumOff val="5000"/>
-                  </a:schemeClr>
-                </a:solidFill>
-                <a:latin typeface="+mj-lt"/>
-                <a:ea typeface="Tahoma" panose="020B0604030504040204" pitchFamily="34" charset="0"/>
-                <a:cs typeface="Tahoma" panose="020B0604030504040204" pitchFamily="34" charset="0"/>
-              </a:rPr>
-              <a:t>mollis</a:t>
-            </a:r>
-            <a:r>
-              <a:rPr lang="pt-BR" altLang="pt-BR" sz="9600" dirty="0">
-                <a:solidFill>
-                  <a:schemeClr val="tx1">
-                    <a:lumMod val="95000"/>
-                    <a:lumOff val="5000"/>
-                  </a:schemeClr>
-                </a:solidFill>
-                <a:latin typeface="+mj-lt"/>
-                <a:ea typeface="Tahoma" panose="020B0604030504040204" pitchFamily="34" charset="0"/>
-                <a:cs typeface="Tahoma" panose="020B0604030504040204" pitchFamily="34" charset="0"/>
-              </a:rPr>
-              <a:t> </a:t>
-            </a:r>
-            <a:r>
-              <a:rPr lang="pt-BR" altLang="pt-BR" sz="9600" dirty="0" err="1">
-                <a:solidFill>
-                  <a:schemeClr val="tx1">
-                    <a:lumMod val="95000"/>
-                    <a:lumOff val="5000"/>
-                  </a:schemeClr>
-                </a:solidFill>
-                <a:latin typeface="+mj-lt"/>
-                <a:ea typeface="Tahoma" panose="020B0604030504040204" pitchFamily="34" charset="0"/>
-                <a:cs typeface="Tahoma" panose="020B0604030504040204" pitchFamily="34" charset="0"/>
-              </a:rPr>
-              <a:t>sed</a:t>
-            </a:r>
-            <a:r>
-              <a:rPr lang="pt-BR" altLang="pt-BR" sz="9600" dirty="0">
-                <a:solidFill>
-                  <a:schemeClr val="tx1">
-                    <a:lumMod val="95000"/>
-                    <a:lumOff val="5000"/>
-                  </a:schemeClr>
-                </a:solidFill>
-                <a:latin typeface="+mj-lt"/>
-                <a:ea typeface="Tahoma" panose="020B0604030504040204" pitchFamily="34" charset="0"/>
-                <a:cs typeface="Tahoma" panose="020B0604030504040204" pitchFamily="34" charset="0"/>
-              </a:rPr>
-              <a:t>, </a:t>
-            </a:r>
-            <a:r>
-              <a:rPr lang="pt-BR" altLang="pt-BR" sz="9600" dirty="0" err="1">
-                <a:solidFill>
-                  <a:schemeClr val="tx1">
-                    <a:lumMod val="95000"/>
-                    <a:lumOff val="5000"/>
-                  </a:schemeClr>
-                </a:solidFill>
-                <a:latin typeface="+mj-lt"/>
-                <a:ea typeface="Tahoma" panose="020B0604030504040204" pitchFamily="34" charset="0"/>
-                <a:cs typeface="Tahoma" panose="020B0604030504040204" pitchFamily="34" charset="0"/>
-              </a:rPr>
-              <a:t>tempor</a:t>
-            </a:r>
-            <a:r>
-              <a:rPr lang="pt-BR" altLang="pt-BR" sz="9600" dirty="0">
-                <a:solidFill>
-                  <a:schemeClr val="tx1">
-                    <a:lumMod val="95000"/>
-                    <a:lumOff val="5000"/>
-                  </a:schemeClr>
-                </a:solidFill>
-                <a:latin typeface="+mj-lt"/>
-                <a:ea typeface="Tahoma" panose="020B0604030504040204" pitchFamily="34" charset="0"/>
-                <a:cs typeface="Tahoma" panose="020B0604030504040204" pitchFamily="34" charset="0"/>
-              </a:rPr>
-              <a:t> </a:t>
-            </a:r>
-            <a:r>
-              <a:rPr lang="pt-BR" altLang="pt-BR" sz="9600" dirty="0" err="1">
-                <a:solidFill>
-                  <a:schemeClr val="tx1">
-                    <a:lumMod val="95000"/>
-                    <a:lumOff val="5000"/>
-                  </a:schemeClr>
-                </a:solidFill>
-                <a:latin typeface="+mj-lt"/>
-                <a:ea typeface="Tahoma" panose="020B0604030504040204" pitchFamily="34" charset="0"/>
-                <a:cs typeface="Tahoma" panose="020B0604030504040204" pitchFamily="34" charset="0"/>
-              </a:rPr>
-              <a:t>sed</a:t>
-            </a:r>
-            <a:r>
-              <a:rPr lang="pt-BR" altLang="pt-BR" sz="9600" dirty="0">
-                <a:solidFill>
-                  <a:schemeClr val="tx1">
-                    <a:lumMod val="95000"/>
-                    <a:lumOff val="5000"/>
-                  </a:schemeClr>
-                </a:solidFill>
-                <a:latin typeface="+mj-lt"/>
-                <a:ea typeface="Tahoma" panose="020B0604030504040204" pitchFamily="34" charset="0"/>
-                <a:cs typeface="Tahoma" panose="020B0604030504040204" pitchFamily="34" charset="0"/>
-              </a:rPr>
-              <a:t>, magna. Cum </a:t>
-            </a:r>
-            <a:r>
-              <a:rPr lang="pt-BR" altLang="pt-BR" sz="9600" dirty="0" err="1">
-                <a:solidFill>
-                  <a:schemeClr val="tx1">
-                    <a:lumMod val="95000"/>
-                    <a:lumOff val="5000"/>
-                  </a:schemeClr>
-                </a:solidFill>
-                <a:latin typeface="+mj-lt"/>
-                <a:ea typeface="Tahoma" panose="020B0604030504040204" pitchFamily="34" charset="0"/>
-                <a:cs typeface="Tahoma" panose="020B0604030504040204" pitchFamily="34" charset="0"/>
-              </a:rPr>
-              <a:t>sociis</a:t>
-            </a:r>
-            <a:r>
-              <a:rPr lang="pt-BR" altLang="pt-BR" sz="9600" dirty="0">
-                <a:solidFill>
-                  <a:schemeClr val="tx1">
-                    <a:lumMod val="95000"/>
-                    <a:lumOff val="5000"/>
-                  </a:schemeClr>
-                </a:solidFill>
-                <a:latin typeface="+mj-lt"/>
-                <a:ea typeface="Tahoma" panose="020B0604030504040204" pitchFamily="34" charset="0"/>
-                <a:cs typeface="Tahoma" panose="020B0604030504040204" pitchFamily="34" charset="0"/>
-              </a:rPr>
-              <a:t> </a:t>
-            </a:r>
-            <a:r>
-              <a:rPr lang="pt-BR" altLang="pt-BR" sz="9600" dirty="0" err="1">
-                <a:solidFill>
-                  <a:schemeClr val="tx1">
-                    <a:lumMod val="95000"/>
-                    <a:lumOff val="5000"/>
-                  </a:schemeClr>
-                </a:solidFill>
-                <a:latin typeface="+mj-lt"/>
-                <a:ea typeface="Tahoma" panose="020B0604030504040204" pitchFamily="34" charset="0"/>
-                <a:cs typeface="Tahoma" panose="020B0604030504040204" pitchFamily="34" charset="0"/>
-              </a:rPr>
-              <a:t>natoque</a:t>
-            </a:r>
-            <a:r>
-              <a:rPr lang="pt-BR" altLang="pt-BR" sz="9600" dirty="0">
-                <a:solidFill>
-                  <a:schemeClr val="tx1">
-                    <a:lumMod val="95000"/>
-                    <a:lumOff val="5000"/>
-                  </a:schemeClr>
-                </a:solidFill>
-                <a:latin typeface="+mj-lt"/>
-                <a:ea typeface="Tahoma" panose="020B0604030504040204" pitchFamily="34" charset="0"/>
-                <a:cs typeface="Tahoma" panose="020B0604030504040204" pitchFamily="34" charset="0"/>
-              </a:rPr>
-              <a:t> </a:t>
-            </a:r>
-            <a:r>
-              <a:rPr lang="pt-BR" altLang="pt-BR" sz="9600" dirty="0" err="1">
-                <a:solidFill>
-                  <a:schemeClr val="tx1">
-                    <a:lumMod val="95000"/>
-                    <a:lumOff val="5000"/>
-                  </a:schemeClr>
-                </a:solidFill>
-                <a:latin typeface="+mj-lt"/>
-                <a:ea typeface="Tahoma" panose="020B0604030504040204" pitchFamily="34" charset="0"/>
-                <a:cs typeface="Tahoma" panose="020B0604030504040204" pitchFamily="34" charset="0"/>
-              </a:rPr>
-              <a:t>penatibus</a:t>
-            </a:r>
-            <a:r>
-              <a:rPr lang="pt-BR" altLang="pt-BR" sz="9600" dirty="0">
-                <a:solidFill>
-                  <a:schemeClr val="tx1">
-                    <a:lumMod val="95000"/>
-                    <a:lumOff val="5000"/>
-                  </a:schemeClr>
-                </a:solidFill>
-                <a:latin typeface="+mj-lt"/>
-                <a:ea typeface="Tahoma" panose="020B0604030504040204" pitchFamily="34" charset="0"/>
-                <a:cs typeface="Tahoma" panose="020B0604030504040204" pitchFamily="34" charset="0"/>
-              </a:rPr>
-              <a:t> et </a:t>
-            </a:r>
-            <a:r>
-              <a:rPr lang="pt-BR" altLang="pt-BR" sz="9600" dirty="0" err="1">
-                <a:solidFill>
-                  <a:schemeClr val="tx1">
-                    <a:lumMod val="95000"/>
-                    <a:lumOff val="5000"/>
-                  </a:schemeClr>
-                </a:solidFill>
-                <a:latin typeface="+mj-lt"/>
-                <a:ea typeface="Tahoma" panose="020B0604030504040204" pitchFamily="34" charset="0"/>
-                <a:cs typeface="Tahoma" panose="020B0604030504040204" pitchFamily="34" charset="0"/>
-              </a:rPr>
-              <a:t>magnis</a:t>
-            </a:r>
-            <a:r>
-              <a:rPr lang="pt-BR" altLang="pt-BR" sz="9600" dirty="0">
-                <a:solidFill>
-                  <a:schemeClr val="tx1">
-                    <a:lumMod val="95000"/>
-                    <a:lumOff val="5000"/>
-                  </a:schemeClr>
-                </a:solidFill>
-                <a:latin typeface="+mj-lt"/>
-                <a:ea typeface="Tahoma" panose="020B0604030504040204" pitchFamily="34" charset="0"/>
-                <a:cs typeface="Tahoma" panose="020B0604030504040204" pitchFamily="34" charset="0"/>
-              </a:rPr>
-              <a:t> </a:t>
-            </a:r>
-            <a:r>
-              <a:rPr lang="pt-BR" altLang="pt-BR" sz="9600" dirty="0" err="1">
-                <a:solidFill>
-                  <a:schemeClr val="tx1">
-                    <a:lumMod val="95000"/>
-                    <a:lumOff val="5000"/>
-                  </a:schemeClr>
-                </a:solidFill>
-                <a:latin typeface="+mj-lt"/>
-                <a:ea typeface="Tahoma" panose="020B0604030504040204" pitchFamily="34" charset="0"/>
-                <a:cs typeface="Tahoma" panose="020B0604030504040204" pitchFamily="34" charset="0"/>
-              </a:rPr>
-              <a:t>dis</a:t>
-            </a:r>
-            <a:r>
-              <a:rPr lang="pt-BR" altLang="pt-BR" sz="9600" dirty="0">
-                <a:solidFill>
-                  <a:schemeClr val="tx1">
-                    <a:lumMod val="95000"/>
-                    <a:lumOff val="5000"/>
-                  </a:schemeClr>
-                </a:solidFill>
-                <a:latin typeface="+mj-lt"/>
-                <a:ea typeface="Tahoma" panose="020B0604030504040204" pitchFamily="34" charset="0"/>
-                <a:cs typeface="Tahoma" panose="020B0604030504040204" pitchFamily="34" charset="0"/>
-              </a:rPr>
-              <a:t> </a:t>
-            </a:r>
-            <a:r>
-              <a:rPr lang="pt-BR" altLang="pt-BR" sz="9600" dirty="0" err="1">
-                <a:solidFill>
-                  <a:schemeClr val="tx1">
-                    <a:lumMod val="95000"/>
-                    <a:lumOff val="5000"/>
-                  </a:schemeClr>
-                </a:solidFill>
-                <a:latin typeface="+mj-lt"/>
-                <a:ea typeface="Tahoma" panose="020B0604030504040204" pitchFamily="34" charset="0"/>
-                <a:cs typeface="Tahoma" panose="020B0604030504040204" pitchFamily="34" charset="0"/>
-              </a:rPr>
-              <a:t>parturient</a:t>
-            </a:r>
-            <a:r>
-              <a:rPr lang="pt-BR" altLang="pt-BR" sz="9600" dirty="0">
-                <a:solidFill>
-                  <a:schemeClr val="tx1">
-                    <a:lumMod val="95000"/>
-                    <a:lumOff val="5000"/>
-                  </a:schemeClr>
-                </a:solidFill>
-                <a:latin typeface="+mj-lt"/>
-                <a:ea typeface="Tahoma" panose="020B0604030504040204" pitchFamily="34" charset="0"/>
-                <a:cs typeface="Tahoma" panose="020B0604030504040204" pitchFamily="34" charset="0"/>
-              </a:rPr>
-              <a:t> montes, </a:t>
-            </a:r>
-            <a:r>
-              <a:rPr lang="pt-BR" altLang="pt-BR" sz="9600" dirty="0" err="1">
-                <a:solidFill>
-                  <a:schemeClr val="tx1">
-                    <a:lumMod val="95000"/>
-                    <a:lumOff val="5000"/>
-                  </a:schemeClr>
-                </a:solidFill>
-                <a:latin typeface="+mj-lt"/>
-                <a:ea typeface="Tahoma" panose="020B0604030504040204" pitchFamily="34" charset="0"/>
-                <a:cs typeface="Tahoma" panose="020B0604030504040204" pitchFamily="34" charset="0"/>
-              </a:rPr>
-              <a:t>nascetur</a:t>
-            </a:r>
-            <a:r>
-              <a:rPr lang="pt-BR" altLang="pt-BR" sz="9600" dirty="0">
-                <a:solidFill>
-                  <a:schemeClr val="tx1">
-                    <a:lumMod val="95000"/>
-                    <a:lumOff val="5000"/>
-                  </a:schemeClr>
-                </a:solidFill>
-                <a:latin typeface="+mj-lt"/>
-                <a:ea typeface="Tahoma" panose="020B0604030504040204" pitchFamily="34" charset="0"/>
-                <a:cs typeface="Tahoma" panose="020B0604030504040204" pitchFamily="34" charset="0"/>
-              </a:rPr>
-              <a:t> </a:t>
-            </a:r>
-            <a:r>
-              <a:rPr lang="pt-BR" altLang="pt-BR" sz="9600" dirty="0" err="1">
-                <a:solidFill>
-                  <a:schemeClr val="tx1">
-                    <a:lumMod val="95000"/>
-                    <a:lumOff val="5000"/>
-                  </a:schemeClr>
-                </a:solidFill>
-                <a:latin typeface="+mj-lt"/>
-                <a:ea typeface="Tahoma" panose="020B0604030504040204" pitchFamily="34" charset="0"/>
-                <a:cs typeface="Tahoma" panose="020B0604030504040204" pitchFamily="34" charset="0"/>
-              </a:rPr>
-              <a:t>ridiculus</a:t>
-            </a:r>
-            <a:r>
-              <a:rPr lang="pt-BR" altLang="pt-BR" sz="9600" dirty="0">
-                <a:solidFill>
-                  <a:schemeClr val="tx1">
-                    <a:lumMod val="95000"/>
-                    <a:lumOff val="5000"/>
-                  </a:schemeClr>
-                </a:solidFill>
-                <a:latin typeface="+mj-lt"/>
-                <a:ea typeface="Tahoma" panose="020B0604030504040204" pitchFamily="34" charset="0"/>
-                <a:cs typeface="Tahoma" panose="020B0604030504040204" pitchFamily="34" charset="0"/>
-              </a:rPr>
-              <a:t> mus. Etiam </a:t>
-            </a:r>
-            <a:r>
-              <a:rPr lang="pt-BR" altLang="pt-BR" sz="9600" dirty="0" err="1">
-                <a:solidFill>
-                  <a:schemeClr val="tx1">
-                    <a:lumMod val="95000"/>
-                    <a:lumOff val="5000"/>
-                  </a:schemeClr>
-                </a:solidFill>
-                <a:latin typeface="+mj-lt"/>
-                <a:ea typeface="Tahoma" panose="020B0604030504040204" pitchFamily="34" charset="0"/>
-                <a:cs typeface="Tahoma" panose="020B0604030504040204" pitchFamily="34" charset="0"/>
-              </a:rPr>
-              <a:t>neque</a:t>
-            </a:r>
-            <a:r>
-              <a:rPr lang="pt-BR" altLang="pt-BR" sz="9600" dirty="0">
-                <a:solidFill>
-                  <a:schemeClr val="tx1">
-                    <a:lumMod val="95000"/>
-                    <a:lumOff val="5000"/>
-                  </a:schemeClr>
-                </a:solidFill>
-                <a:latin typeface="+mj-lt"/>
-                <a:ea typeface="Tahoma" panose="020B0604030504040204" pitchFamily="34" charset="0"/>
-                <a:cs typeface="Tahoma" panose="020B0604030504040204" pitchFamily="34" charset="0"/>
-              </a:rPr>
-              <a:t>. </a:t>
-            </a:r>
-            <a:r>
-              <a:rPr lang="pt-BR" altLang="pt-BR" sz="9600" dirty="0" err="1">
-                <a:solidFill>
-                  <a:schemeClr val="tx1">
-                    <a:lumMod val="95000"/>
-                    <a:lumOff val="5000"/>
-                  </a:schemeClr>
-                </a:solidFill>
-                <a:latin typeface="+mj-lt"/>
-                <a:ea typeface="Tahoma" panose="020B0604030504040204" pitchFamily="34" charset="0"/>
-                <a:cs typeface="Tahoma" panose="020B0604030504040204" pitchFamily="34" charset="0"/>
-              </a:rPr>
-              <a:t>Curabitur</a:t>
-            </a:r>
-            <a:r>
-              <a:rPr lang="pt-BR" altLang="pt-BR" sz="9600" dirty="0">
-                <a:solidFill>
-                  <a:schemeClr val="tx1">
-                    <a:lumMod val="95000"/>
-                    <a:lumOff val="5000"/>
-                  </a:schemeClr>
-                </a:solidFill>
-                <a:latin typeface="+mj-lt"/>
-                <a:ea typeface="Tahoma" panose="020B0604030504040204" pitchFamily="34" charset="0"/>
-                <a:cs typeface="Tahoma" panose="020B0604030504040204" pitchFamily="34" charset="0"/>
-              </a:rPr>
-              <a:t> </a:t>
-            </a:r>
-            <a:r>
-              <a:rPr lang="pt-BR" altLang="pt-BR" sz="9600" dirty="0" err="1">
-                <a:solidFill>
-                  <a:schemeClr val="tx1">
-                    <a:lumMod val="95000"/>
-                    <a:lumOff val="5000"/>
-                  </a:schemeClr>
-                </a:solidFill>
-                <a:latin typeface="+mj-lt"/>
-                <a:ea typeface="Tahoma" panose="020B0604030504040204" pitchFamily="34" charset="0"/>
-                <a:cs typeface="Tahoma" panose="020B0604030504040204" pitchFamily="34" charset="0"/>
-              </a:rPr>
-              <a:t>ligula</a:t>
-            </a:r>
-            <a:r>
-              <a:rPr lang="pt-BR" altLang="pt-BR" sz="9600" dirty="0">
-                <a:solidFill>
-                  <a:schemeClr val="tx1">
-                    <a:lumMod val="95000"/>
-                    <a:lumOff val="5000"/>
-                  </a:schemeClr>
-                </a:solidFill>
-                <a:latin typeface="+mj-lt"/>
-                <a:ea typeface="Tahoma" panose="020B0604030504040204" pitchFamily="34" charset="0"/>
-                <a:cs typeface="Tahoma" panose="020B0604030504040204" pitchFamily="34" charset="0"/>
-              </a:rPr>
-              <a:t> </a:t>
-            </a:r>
-            <a:r>
-              <a:rPr lang="pt-BR" altLang="pt-BR" sz="9600" dirty="0" err="1">
-                <a:solidFill>
-                  <a:schemeClr val="tx1">
-                    <a:lumMod val="95000"/>
-                    <a:lumOff val="5000"/>
-                  </a:schemeClr>
-                </a:solidFill>
-                <a:latin typeface="+mj-lt"/>
-                <a:ea typeface="Tahoma" panose="020B0604030504040204" pitchFamily="34" charset="0"/>
-                <a:cs typeface="Tahoma" panose="020B0604030504040204" pitchFamily="34" charset="0"/>
-              </a:rPr>
-              <a:t>sapien</a:t>
-            </a:r>
-            <a:r>
-              <a:rPr lang="pt-BR" altLang="pt-BR" sz="9600" dirty="0">
-                <a:solidFill>
-                  <a:schemeClr val="tx1">
-                    <a:lumMod val="95000"/>
-                    <a:lumOff val="5000"/>
-                  </a:schemeClr>
-                </a:solidFill>
-                <a:latin typeface="+mj-lt"/>
-                <a:ea typeface="Tahoma" panose="020B0604030504040204" pitchFamily="34" charset="0"/>
-                <a:cs typeface="Tahoma" panose="020B0604030504040204" pitchFamily="34" charset="0"/>
-              </a:rPr>
-              <a:t>, </a:t>
-            </a:r>
-            <a:r>
-              <a:rPr lang="pt-BR" altLang="pt-BR" sz="9600" dirty="0" err="1">
-                <a:solidFill>
-                  <a:schemeClr val="tx1">
-                    <a:lumMod val="95000"/>
-                    <a:lumOff val="5000"/>
-                  </a:schemeClr>
-                </a:solidFill>
-                <a:latin typeface="+mj-lt"/>
-                <a:ea typeface="Tahoma" panose="020B0604030504040204" pitchFamily="34" charset="0"/>
-                <a:cs typeface="Tahoma" panose="020B0604030504040204" pitchFamily="34" charset="0"/>
-              </a:rPr>
-              <a:t>pulvinar</a:t>
-            </a:r>
-            <a:r>
-              <a:rPr lang="pt-BR" altLang="pt-BR" sz="9600" dirty="0">
-                <a:solidFill>
-                  <a:schemeClr val="tx1">
-                    <a:lumMod val="95000"/>
-                    <a:lumOff val="5000"/>
-                  </a:schemeClr>
-                </a:solidFill>
-                <a:latin typeface="+mj-lt"/>
-                <a:ea typeface="Tahoma" panose="020B0604030504040204" pitchFamily="34" charset="0"/>
-                <a:cs typeface="Tahoma" panose="020B0604030504040204" pitchFamily="34" charset="0"/>
-              </a:rPr>
-              <a:t> a, </a:t>
-            </a:r>
-            <a:r>
-              <a:rPr lang="pt-BR" altLang="pt-BR" sz="9600" dirty="0" err="1">
-                <a:solidFill>
-                  <a:schemeClr val="tx1">
-                    <a:lumMod val="95000"/>
-                    <a:lumOff val="5000"/>
-                  </a:schemeClr>
-                </a:solidFill>
-                <a:latin typeface="+mj-lt"/>
-                <a:ea typeface="Tahoma" panose="020B0604030504040204" pitchFamily="34" charset="0"/>
-                <a:cs typeface="Tahoma" panose="020B0604030504040204" pitchFamily="34" charset="0"/>
-              </a:rPr>
-              <a:t>vestibulum</a:t>
-            </a:r>
-            <a:r>
-              <a:rPr lang="pt-BR" altLang="pt-BR" sz="9600" dirty="0">
-                <a:solidFill>
-                  <a:schemeClr val="tx1">
-                    <a:lumMod val="95000"/>
-                    <a:lumOff val="5000"/>
-                  </a:schemeClr>
-                </a:solidFill>
-                <a:latin typeface="+mj-lt"/>
-                <a:ea typeface="Tahoma" panose="020B0604030504040204" pitchFamily="34" charset="0"/>
-                <a:cs typeface="Tahoma" panose="020B0604030504040204" pitchFamily="34" charset="0"/>
-              </a:rPr>
-              <a:t> quis, </a:t>
-            </a:r>
-            <a:r>
-              <a:rPr lang="pt-BR" altLang="pt-BR" sz="9600" dirty="0" err="1">
-                <a:solidFill>
-                  <a:schemeClr val="tx1">
-                    <a:lumMod val="95000"/>
-                    <a:lumOff val="5000"/>
-                  </a:schemeClr>
-                </a:solidFill>
-                <a:latin typeface="+mj-lt"/>
-                <a:ea typeface="Tahoma" panose="020B0604030504040204" pitchFamily="34" charset="0"/>
-                <a:cs typeface="Tahoma" panose="020B0604030504040204" pitchFamily="34" charset="0"/>
-              </a:rPr>
-              <a:t>facilisis</a:t>
-            </a:r>
-            <a:r>
-              <a:rPr lang="pt-BR" altLang="pt-BR" sz="9600" dirty="0">
-                <a:solidFill>
-                  <a:schemeClr val="tx1">
-                    <a:lumMod val="95000"/>
-                    <a:lumOff val="5000"/>
-                  </a:schemeClr>
-                </a:solidFill>
-                <a:latin typeface="+mj-lt"/>
-                <a:ea typeface="Tahoma" panose="020B0604030504040204" pitchFamily="34" charset="0"/>
-                <a:cs typeface="Tahoma" panose="020B0604030504040204" pitchFamily="34" charset="0"/>
-              </a:rPr>
-              <a:t> </a:t>
-            </a:r>
-            <a:r>
-              <a:rPr lang="pt-BR" altLang="pt-BR" sz="9600" dirty="0" err="1">
-                <a:solidFill>
-                  <a:schemeClr val="tx1">
-                    <a:lumMod val="95000"/>
-                    <a:lumOff val="5000"/>
-                  </a:schemeClr>
-                </a:solidFill>
-                <a:latin typeface="+mj-lt"/>
-                <a:ea typeface="Tahoma" panose="020B0604030504040204" pitchFamily="34" charset="0"/>
-                <a:cs typeface="Tahoma" panose="020B0604030504040204" pitchFamily="34" charset="0"/>
-              </a:rPr>
-              <a:t>vel</a:t>
-            </a:r>
-            <a:r>
-              <a:rPr lang="pt-BR" altLang="pt-BR" sz="9600" dirty="0">
-                <a:solidFill>
-                  <a:schemeClr val="tx1">
-                    <a:lumMod val="95000"/>
-                    <a:lumOff val="5000"/>
-                  </a:schemeClr>
-                </a:solidFill>
-                <a:latin typeface="+mj-lt"/>
-                <a:ea typeface="Tahoma" panose="020B0604030504040204" pitchFamily="34" charset="0"/>
-                <a:cs typeface="Tahoma" panose="020B0604030504040204" pitchFamily="34" charset="0"/>
-              </a:rPr>
-              <a:t>, </a:t>
-            </a:r>
-            <a:r>
-              <a:rPr lang="pt-BR" altLang="pt-BR" sz="9600" dirty="0" err="1">
-                <a:solidFill>
-                  <a:schemeClr val="tx1">
-                    <a:lumMod val="95000"/>
-                    <a:lumOff val="5000"/>
-                  </a:schemeClr>
-                </a:solidFill>
-                <a:latin typeface="+mj-lt"/>
-                <a:ea typeface="Tahoma" panose="020B0604030504040204" pitchFamily="34" charset="0"/>
-                <a:cs typeface="Tahoma" panose="020B0604030504040204" pitchFamily="34" charset="0"/>
-              </a:rPr>
-              <a:t>sapien</a:t>
-            </a:r>
-            <a:r>
-              <a:rPr lang="pt-BR" altLang="pt-BR" sz="9600" dirty="0">
-                <a:solidFill>
-                  <a:schemeClr val="tx1">
-                    <a:lumMod val="95000"/>
-                    <a:lumOff val="5000"/>
-                  </a:schemeClr>
-                </a:solidFill>
-                <a:latin typeface="+mj-lt"/>
-                <a:ea typeface="Tahoma" panose="020B0604030504040204" pitchFamily="34" charset="0"/>
-                <a:cs typeface="Tahoma" panose="020B0604030504040204" pitchFamily="34" charset="0"/>
-              </a:rPr>
-              <a:t>. </a:t>
-            </a:r>
-            <a:r>
-              <a:rPr lang="pt-BR" altLang="pt-BR" sz="9600" dirty="0" err="1">
-                <a:solidFill>
-                  <a:schemeClr val="tx1">
-                    <a:lumMod val="95000"/>
-                    <a:lumOff val="5000"/>
-                  </a:schemeClr>
-                </a:solidFill>
-                <a:latin typeface="+mj-lt"/>
-                <a:ea typeface="Tahoma" panose="020B0604030504040204" pitchFamily="34" charset="0"/>
-                <a:cs typeface="Tahoma" panose="020B0604030504040204" pitchFamily="34" charset="0"/>
-              </a:rPr>
-              <a:t>Nullam</a:t>
-            </a:r>
-            <a:r>
-              <a:rPr lang="pt-BR" altLang="pt-BR" sz="9600" dirty="0">
-                <a:solidFill>
-                  <a:schemeClr val="tx1">
-                    <a:lumMod val="95000"/>
-                    <a:lumOff val="5000"/>
-                  </a:schemeClr>
-                </a:solidFill>
-                <a:latin typeface="+mj-lt"/>
-                <a:ea typeface="Tahoma" panose="020B0604030504040204" pitchFamily="34" charset="0"/>
-                <a:cs typeface="Tahoma" panose="020B0604030504040204" pitchFamily="34" charset="0"/>
-              </a:rPr>
-              <a:t> </a:t>
-            </a:r>
-            <a:r>
-              <a:rPr lang="pt-BR" altLang="pt-BR" sz="9600" dirty="0" err="1">
-                <a:solidFill>
-                  <a:schemeClr val="tx1">
-                    <a:lumMod val="95000"/>
-                    <a:lumOff val="5000"/>
-                  </a:schemeClr>
-                </a:solidFill>
-                <a:latin typeface="+mj-lt"/>
-                <a:ea typeface="Tahoma" panose="020B0604030504040204" pitchFamily="34" charset="0"/>
-                <a:cs typeface="Tahoma" panose="020B0604030504040204" pitchFamily="34" charset="0"/>
-              </a:rPr>
-              <a:t>eget</a:t>
-            </a:r>
-            <a:r>
-              <a:rPr lang="pt-BR" altLang="pt-BR" sz="9600" dirty="0">
-                <a:solidFill>
-                  <a:schemeClr val="tx1">
-                    <a:lumMod val="95000"/>
-                    <a:lumOff val="5000"/>
-                  </a:schemeClr>
-                </a:solidFill>
-                <a:latin typeface="+mj-lt"/>
-                <a:ea typeface="Tahoma" panose="020B0604030504040204" pitchFamily="34" charset="0"/>
-                <a:cs typeface="Tahoma" panose="020B0604030504040204" pitchFamily="34" charset="0"/>
-              </a:rPr>
-              <a:t> </a:t>
-            </a:r>
-            <a:r>
-              <a:rPr lang="pt-BR" altLang="pt-BR" sz="9600" dirty="0" err="1">
-                <a:solidFill>
-                  <a:schemeClr val="tx1">
-                    <a:lumMod val="95000"/>
-                    <a:lumOff val="5000"/>
-                  </a:schemeClr>
-                </a:solidFill>
-                <a:latin typeface="+mj-lt"/>
-                <a:ea typeface="Tahoma" panose="020B0604030504040204" pitchFamily="34" charset="0"/>
-                <a:cs typeface="Tahoma" panose="020B0604030504040204" pitchFamily="34" charset="0"/>
-              </a:rPr>
-              <a:t>nisl</a:t>
-            </a:r>
-            <a:r>
-              <a:rPr lang="pt-BR" altLang="pt-BR" sz="9600" dirty="0">
-                <a:solidFill>
-                  <a:schemeClr val="tx1">
-                    <a:lumMod val="95000"/>
-                    <a:lumOff val="5000"/>
-                  </a:schemeClr>
-                </a:solidFill>
-                <a:latin typeface="+mj-lt"/>
-                <a:ea typeface="Tahoma" panose="020B0604030504040204" pitchFamily="34" charset="0"/>
-                <a:cs typeface="Tahoma" panose="020B0604030504040204" pitchFamily="34" charset="0"/>
-              </a:rPr>
-              <a:t>. </a:t>
-            </a:r>
-            <a:r>
-              <a:rPr lang="pt-BR" altLang="pt-BR" sz="9600" dirty="0" err="1">
-                <a:solidFill>
-                  <a:schemeClr val="tx1">
-                    <a:lumMod val="95000"/>
-                    <a:lumOff val="5000"/>
-                  </a:schemeClr>
-                </a:solidFill>
-                <a:latin typeface="+mj-lt"/>
-                <a:ea typeface="Tahoma" panose="020B0604030504040204" pitchFamily="34" charset="0"/>
-                <a:cs typeface="Tahoma" panose="020B0604030504040204" pitchFamily="34" charset="0"/>
-              </a:rPr>
-              <a:t>Donec</a:t>
-            </a:r>
-            <a:r>
-              <a:rPr lang="pt-BR" altLang="pt-BR" sz="9600" dirty="0">
-                <a:solidFill>
-                  <a:schemeClr val="tx1">
-                    <a:lumMod val="95000"/>
-                    <a:lumOff val="5000"/>
-                  </a:schemeClr>
-                </a:solidFill>
-                <a:latin typeface="+mj-lt"/>
-                <a:ea typeface="Tahoma" panose="020B0604030504040204" pitchFamily="34" charset="0"/>
-                <a:cs typeface="Tahoma" panose="020B0604030504040204" pitchFamily="34" charset="0"/>
-              </a:rPr>
-              <a:t> vitae </a:t>
-            </a:r>
-            <a:r>
-              <a:rPr lang="pt-BR" altLang="pt-BR" sz="9600" dirty="0" err="1">
-                <a:solidFill>
-                  <a:schemeClr val="tx1">
-                    <a:lumMod val="95000"/>
-                    <a:lumOff val="5000"/>
-                  </a:schemeClr>
-                </a:solidFill>
-                <a:latin typeface="+mj-lt"/>
-                <a:ea typeface="Tahoma" panose="020B0604030504040204" pitchFamily="34" charset="0"/>
-                <a:cs typeface="Tahoma" panose="020B0604030504040204" pitchFamily="34" charset="0"/>
-              </a:rPr>
-              <a:t>arcu</a:t>
-            </a:r>
-            <a:r>
-              <a:rPr lang="pt-BR" altLang="pt-BR" sz="9600" dirty="0">
-                <a:solidFill>
-                  <a:schemeClr val="tx1">
-                    <a:lumMod val="95000"/>
-                    <a:lumOff val="5000"/>
-                  </a:schemeClr>
-                </a:solidFill>
-                <a:latin typeface="+mj-lt"/>
-                <a:ea typeface="Tahoma" panose="020B0604030504040204" pitchFamily="34" charset="0"/>
-                <a:cs typeface="Tahoma" panose="020B0604030504040204" pitchFamily="34" charset="0"/>
-              </a:rPr>
-              <a:t>.</a:t>
-            </a:r>
-            <a:endParaRPr lang="pt-BR" b="1" dirty="0">
-              <a:solidFill>
-                <a:srgbClr val="C00000"/>
-              </a:solidFill>
-            </a:endParaRPr>
+              <a:rPr lang="pt-BR" sz="2600" dirty="0">
+                <a:latin typeface="Arial" panose="020B0604020202020204" pitchFamily="34" charset="0"/>
+                <a:cs typeface="Arial" panose="020B0604020202020204" pitchFamily="34" charset="0"/>
+              </a:rPr>
+              <a:t>O trabalho propõe a plataforma F.P.H para abordar a falta de alimentação saudável e atividade física. Oferece informações sobre alimentos, sugere exercícios e dicas saudáveis, visando melhorar a qualidade de vida dos usuários. A plataforma é relevante devido às preocupações com obesidade e doenças relacionadas à alimentação inadequada. No entanto, o sucesso depende do engajamento e conscientização da população. O objetivo é promover um estilo de vida saudável.</a:t>
+            </a:r>
           </a:p>
         </p:txBody>
       </p:sp>
@@ -4458,14 +3612,28 @@
           </a:xfrm>
         </p:spPr>
         <p:txBody>
-          <a:bodyPr/>
+          <a:bodyPr>
+            <a:normAutofit fontScale="90000"/>
+            <a:scene3d>
+              <a:camera prst="orthographicFront"/>
+              <a:lightRig rig="soft" dir="t">
+                <a:rot lat="0" lon="0" rev="15600000"/>
+              </a:lightRig>
+            </a:scene3d>
+            <a:sp3d extrusionH="57150" prstMaterial="softEdge">
+              <a:bevelT w="25400" h="38100"/>
+            </a:sp3d>
+          </a:bodyPr>
           <a:lstStyle/>
           <a:p>
             <a:r>
               <a:rPr lang="pt-BR" b="1" dirty="0">
+                <a:ln/>
                 <a:solidFill>
                   <a:srgbClr val="C00000"/>
                 </a:solidFill>
+                <a:latin typeface="Arial" panose="020B0604020202020204" pitchFamily="34" charset="0"/>
+                <a:cs typeface="Arial" panose="020B0604020202020204" pitchFamily="34" charset="0"/>
               </a:rPr>
               <a:t>REFERÊNCIAS BIBLIOGRÁFICAS</a:t>
             </a:r>
@@ -4488,8 +3656,8 @@
         </p:nvSpPr>
         <p:spPr>
           <a:xfrm>
-            <a:off x="475334" y="2492896"/>
-            <a:ext cx="8229600" cy="1143000"/>
+            <a:off x="457200" y="1865464"/>
+            <a:ext cx="8229600" cy="4392488"/>
           </a:xfrm>
           <a:prstGeom prst="rect">
             <a:avLst/>
@@ -4497,7 +3665,7 @@
         </p:spPr>
         <p:txBody>
           <a:bodyPr vert="horz" lIns="91440" tIns="45720" rIns="91440" bIns="45720" rtlCol="0" anchor="ctr">
-            <a:normAutofit fontScale="25000" lnSpcReduction="20000"/>
+            <a:normAutofit fontScale="32500" lnSpcReduction="20000"/>
           </a:bodyPr>
           <a:lstStyle>
             <a:lvl1pPr algn="ctr" defTabSz="914400" rtl="0" eaLnBrk="1" latinLnBrk="0" hangingPunct="1">
@@ -4516,79 +3684,178 @@
             </a:lvl1pPr>
           </a:lstStyle>
           <a:p>
-            <a:pPr algn="just">
-              <a:defRPr/>
-            </a:pPr>
-            <a:r>
-              <a:rPr lang="pt-BR" altLang="pt-BR" sz="9600" dirty="0">
-                <a:solidFill>
-                  <a:schemeClr val="tx1">
-                    <a:lumMod val="95000"/>
-                    <a:lumOff val="5000"/>
-                  </a:schemeClr>
-                </a:solidFill>
-                <a:ea typeface="Tahoma" panose="020B0604030504040204" pitchFamily="34" charset="0"/>
-                <a:cs typeface="Tahoma" panose="020B0604030504040204" pitchFamily="34" charset="0"/>
-              </a:rPr>
-              <a:t>SANTOS, Cristiane Ferreira et al. O Processo Evolutivo Entre as Gerações X, Y e Baby Boomers. XIV </a:t>
-            </a:r>
-            <a:r>
-              <a:rPr lang="pt-BR" altLang="pt-BR" sz="9600" dirty="0" err="1">
-                <a:solidFill>
-                  <a:schemeClr val="tx1">
-                    <a:lumMod val="95000"/>
-                    <a:lumOff val="5000"/>
-                  </a:schemeClr>
-                </a:solidFill>
-                <a:ea typeface="Tahoma" panose="020B0604030504040204" pitchFamily="34" charset="0"/>
-                <a:cs typeface="Tahoma" panose="020B0604030504040204" pitchFamily="34" charset="0"/>
-              </a:rPr>
-              <a:t>SemeAd</a:t>
-            </a:r>
-            <a:r>
-              <a:rPr lang="pt-BR" altLang="pt-BR" sz="9600" dirty="0">
-                <a:solidFill>
-                  <a:schemeClr val="tx1">
-                    <a:lumMod val="95000"/>
-                    <a:lumOff val="5000"/>
-                  </a:schemeClr>
-                </a:solidFill>
-                <a:ea typeface="Tahoma" panose="020B0604030504040204" pitchFamily="34" charset="0"/>
-                <a:cs typeface="Tahoma" panose="020B0604030504040204" pitchFamily="34" charset="0"/>
-              </a:rPr>
-              <a:t> Seminário de Administração, Out. de 2011, ISSN 2177-3866 São Paulo.</a:t>
-            </a:r>
-          </a:p>
-          <a:p>
-            <a:pPr algn="just">
-              <a:defRPr/>
-            </a:pPr>
-            <a:endParaRPr lang="en-US" altLang="ja-JP" sz="9600" dirty="0">
-              <a:solidFill>
-                <a:schemeClr val="tx2"/>
-              </a:solidFill>
-              <a:latin typeface="+mj-lt"/>
-              <a:ea typeface="Tahoma" panose="020B0604030504040204" pitchFamily="34" charset="0"/>
-              <a:cs typeface="Tahoma" panose="020B0604030504040204" pitchFamily="34" charset="0"/>
+            <a:pPr algn="just"/>
+            <a:r>
+              <a:rPr lang="pt-BR" dirty="0">
+                <a:latin typeface="Arial" panose="020B0604020202020204" pitchFamily="34" charset="0"/>
+                <a:cs typeface="Arial" panose="020B0604020202020204" pitchFamily="34" charset="0"/>
+              </a:rPr>
+              <a:t>9 Patologias Mais Comuns Entre os Brasileiros. Disponível em: https://www.geap.org.br/blog/doencas-mais-comuns-entre-os-brasileiros/. </a:t>
+            </a:r>
+            <a:r>
+              <a:rPr lang="en-US" dirty="0">
+                <a:latin typeface="Arial" panose="020B0604020202020204" pitchFamily="34" charset="0"/>
+                <a:cs typeface="Arial" panose="020B0604020202020204" pitchFamily="34" charset="0"/>
+              </a:rPr>
+              <a:t>Acesso em: 17 março. 2023.</a:t>
+            </a:r>
+            <a:endParaRPr lang="pt-BR" dirty="0">
+              <a:latin typeface="Arial" panose="020B0604020202020204" pitchFamily="34" charset="0"/>
+              <a:cs typeface="Arial" panose="020B0604020202020204" pitchFamily="34" charset="0"/>
             </a:endParaRPr>
           </a:p>
           <a:p>
-            <a:pPr algn="just">
-              <a:defRPr/>
-            </a:pPr>
-            <a:r>
-              <a:rPr lang="pt-BR" altLang="pt-BR" sz="9600" dirty="0">
-                <a:solidFill>
-                  <a:schemeClr val="tx1">
-                    <a:lumMod val="95000"/>
-                    <a:lumOff val="5000"/>
-                  </a:schemeClr>
-                </a:solidFill>
-                <a:latin typeface="+mj-lt"/>
-                <a:ea typeface="Tahoma" panose="020B0604030504040204" pitchFamily="34" charset="0"/>
-                <a:cs typeface="Tahoma" panose="020B0604030504040204" pitchFamily="34" charset="0"/>
-              </a:rPr>
-              <a:t>FEDER, Stephanie Sachs. O fracasso faz bem às crianças. Revista Veja. Edição 2437. Ano 48. nº 31. 5 de agosto de 2015 . Págs.. 15, 18-19. Edição impressa.</a:t>
+            <a:pPr algn="just"/>
+            <a:r>
+              <a:rPr lang="en-US" dirty="0">
+                <a:latin typeface="Arial" panose="020B0604020202020204" pitchFamily="34" charset="0"/>
+                <a:cs typeface="Arial" panose="020B0604020202020204" pitchFamily="34" charset="0"/>
+              </a:rPr>
+              <a:t> </a:t>
+            </a:r>
+            <a:endParaRPr lang="pt-BR" dirty="0">
+              <a:latin typeface="Arial" panose="020B0604020202020204" pitchFamily="34" charset="0"/>
+              <a:cs typeface="Arial" panose="020B0604020202020204" pitchFamily="34" charset="0"/>
+            </a:endParaRPr>
+          </a:p>
+          <a:p>
+            <a:pPr algn="just"/>
+            <a:r>
+              <a:rPr lang="en-US" dirty="0">
+                <a:latin typeface="Arial" panose="020B0604020202020204" pitchFamily="34" charset="0"/>
+                <a:cs typeface="Arial" panose="020B0604020202020204" pitchFamily="34" charset="0"/>
+              </a:rPr>
+              <a:t>ACSM’s guidelines for exercise testing and prescription. 11. ed. Philadelphia: Lippincott Williams &amp; Wilkins, 2021.Acesso em: 18 ago. 2023.</a:t>
+            </a:r>
+            <a:endParaRPr lang="pt-BR" dirty="0">
+              <a:latin typeface="Arial" panose="020B0604020202020204" pitchFamily="34" charset="0"/>
+              <a:cs typeface="Arial" panose="020B0604020202020204" pitchFamily="34" charset="0"/>
+            </a:endParaRPr>
+          </a:p>
+          <a:p>
+            <a:pPr algn="just"/>
+            <a:r>
+              <a:rPr lang="en-US" dirty="0">
+                <a:latin typeface="Arial" panose="020B0604020202020204" pitchFamily="34" charset="0"/>
+                <a:cs typeface="Arial" panose="020B0604020202020204" pitchFamily="34" charset="0"/>
+              </a:rPr>
+              <a:t> </a:t>
+            </a:r>
+            <a:endParaRPr lang="pt-BR" dirty="0">
+              <a:latin typeface="Arial" panose="020B0604020202020204" pitchFamily="34" charset="0"/>
+              <a:cs typeface="Arial" panose="020B0604020202020204" pitchFamily="34" charset="0"/>
+            </a:endParaRPr>
+          </a:p>
+          <a:p>
+            <a:pPr algn="just"/>
+            <a:r>
+              <a:rPr lang="pt-BR" dirty="0">
+                <a:latin typeface="Arial" panose="020B0604020202020204" pitchFamily="34" charset="0"/>
+                <a:cs typeface="Arial" panose="020B0604020202020204" pitchFamily="34" charset="0"/>
+              </a:rPr>
+              <a:t>ALVES, B. / O. / O.-M. Osteoporose | Biblioteca Virtual em Saúde MS. Disponível em: https://bvsms.saude.gov.br/osteoporose-7/#:~:text=Osteoporose%20%C3%A9%20uma%20doen%C3%A7a%20que. Acesso em: 5 de maio. 2023.</a:t>
+            </a:r>
+          </a:p>
+          <a:p>
+            <a:pPr algn="just"/>
+            <a:r>
+              <a:rPr lang="pt-BR" dirty="0">
+                <a:latin typeface="Arial" panose="020B0604020202020204" pitchFamily="34" charset="0"/>
+                <a:cs typeface="Arial" panose="020B0604020202020204" pitchFamily="34" charset="0"/>
+              </a:rPr>
+              <a:t> </a:t>
+            </a:r>
+          </a:p>
+          <a:p>
+            <a:pPr algn="just"/>
+            <a:r>
+              <a:rPr lang="pt-BR" dirty="0">
+                <a:latin typeface="Arial" panose="020B0604020202020204" pitchFamily="34" charset="0"/>
+                <a:cs typeface="Arial" panose="020B0604020202020204" pitchFamily="34" charset="0"/>
+              </a:rPr>
+              <a:t>Barra, D. R. Principais vantagens de adotar um estilo de vida saudável. Disponível em: https://imeb.com.br/alimentacao-e-atividade-fisica-o-combo-que-preserva-sua-saude/. </a:t>
+            </a:r>
+            <a:r>
+              <a:rPr lang="en-US" dirty="0">
+                <a:latin typeface="Arial" panose="020B0604020202020204" pitchFamily="34" charset="0"/>
+                <a:cs typeface="Arial" panose="020B0604020202020204" pitchFamily="34" charset="0"/>
+              </a:rPr>
+              <a:t>Acesso em: 26 jul. 2023.</a:t>
+            </a:r>
+            <a:endParaRPr lang="pt-BR" dirty="0">
+              <a:latin typeface="Arial" panose="020B0604020202020204" pitchFamily="34" charset="0"/>
+              <a:cs typeface="Arial" panose="020B0604020202020204" pitchFamily="34" charset="0"/>
+            </a:endParaRPr>
+          </a:p>
+          <a:p>
+            <a:pPr algn="just"/>
+            <a:r>
+              <a:rPr lang="en-US" dirty="0">
+                <a:latin typeface="Arial" panose="020B0604020202020204" pitchFamily="34" charset="0"/>
+                <a:cs typeface="Arial" panose="020B0604020202020204" pitchFamily="34" charset="0"/>
+              </a:rPr>
+              <a:t> </a:t>
+            </a:r>
+            <a:endParaRPr lang="pt-BR" dirty="0">
+              <a:latin typeface="Arial" panose="020B0604020202020204" pitchFamily="34" charset="0"/>
+              <a:cs typeface="Arial" panose="020B0604020202020204" pitchFamily="34" charset="0"/>
+            </a:endParaRPr>
+          </a:p>
+          <a:p>
+            <a:pPr algn="just"/>
+            <a:r>
+              <a:rPr lang="en-US" dirty="0">
+                <a:latin typeface="Arial" panose="020B0604020202020204" pitchFamily="34" charset="0"/>
+                <a:cs typeface="Arial" panose="020B0604020202020204" pitchFamily="34" charset="0"/>
+              </a:rPr>
+              <a:t>Boxicons: Premium web friendly icons for free. </a:t>
+            </a:r>
+            <a:r>
+              <a:rPr lang="pt-BR" dirty="0">
+                <a:latin typeface="Arial" panose="020B0604020202020204" pitchFamily="34" charset="0"/>
+                <a:cs typeface="Arial" panose="020B0604020202020204" pitchFamily="34" charset="0"/>
+              </a:rPr>
+              <a:t>Disponível em: https://boxicons.com/.</a:t>
+            </a:r>
+          </a:p>
+          <a:p>
+            <a:pPr algn="just"/>
+            <a:r>
+              <a:rPr lang="pt-BR" dirty="0">
+                <a:latin typeface="Arial" panose="020B0604020202020204" pitchFamily="34" charset="0"/>
+                <a:cs typeface="Arial" panose="020B0604020202020204" pitchFamily="34" charset="0"/>
+              </a:rPr>
+              <a:t> </a:t>
+            </a:r>
+          </a:p>
+          <a:p>
+            <a:pPr algn="just"/>
+            <a:r>
+              <a:rPr lang="pt-BR" dirty="0">
+                <a:latin typeface="Arial" panose="020B0604020202020204" pitchFamily="34" charset="0"/>
+                <a:cs typeface="Arial" panose="020B0604020202020204" pitchFamily="34" charset="0"/>
+              </a:rPr>
+              <a:t>Desnutrição. Desnutrição por má alimentação. Disponível em: &lt;https://brasilescola.uol.com.br/saude-na escola/desnutricao.htm#:~:text=Pesquisas%20feitas%20entre%20a%20popula% 3%A7%C3%A3o&gt;. Acesso em: 14 abril. 2023.</a:t>
+            </a:r>
+          </a:p>
+          <a:p>
+            <a:pPr algn="just"/>
+            <a:r>
+              <a:rPr lang="pt-BR" dirty="0">
+                <a:latin typeface="Arial" panose="020B0604020202020204" pitchFamily="34" charset="0"/>
+                <a:cs typeface="Arial" panose="020B0604020202020204" pitchFamily="34" charset="0"/>
+              </a:rPr>
+              <a:t> </a:t>
+            </a:r>
+          </a:p>
+          <a:p>
+            <a:pPr algn="just"/>
+            <a:r>
+              <a:rPr lang="pt-BR" dirty="0">
+                <a:latin typeface="Arial" panose="020B0604020202020204" pitchFamily="34" charset="0"/>
+                <a:cs typeface="Arial" panose="020B0604020202020204" pitchFamily="34" charset="0"/>
+              </a:rPr>
+              <a:t>Doenças associadas à má alimentação (artigo). Disponível em: https://pt.khanacademy.org/science/5-ano/vida-e-evoluo-alimentao/distrbio-alimentares-e-suas-consequncias/a/doencas-associadas-a-ma-alimentacao. Acesso em: 28 de abril. 2023.</a:t>
             </a:r>
           </a:p>
         </p:txBody>
